--- a/Präsentation_Bald.pptx
+++ b/Präsentation_Bald.pptx
@@ -271,7 +271,7 @@
           </a:lstStyle>
           <a:p>
             <a:fld id="{75BEE995-72F4-482A-B547-037217EEA661}" type="datetimeFigureOut">
-              <a:t>27.04.2025</a:t>
+              <a:t>28.04.2025</a:t>
             </a:fld>
             <a:endParaRPr lang="de-DE"/>
           </a:p>
@@ -2068,7 +2068,7 @@
           <a:p>
             <a:fld id="{4E96B16B-3D02-421E-9A22-E7AF4889F0FE}" type="datetime1">
               <a:rPr lang="en-US" smtClean="0"/>
-              <a:t>4/27/2025</a:t>
+              <a:t>4/28/2025</a:t>
             </a:fld>
             <a:endParaRPr lang="en-US"/>
           </a:p>
@@ -2270,7 +2270,7 @@
           <a:p>
             <a:fld id="{DB775AC6-EFC6-47B7-8612-9DA8DD25D955}" type="datetime1">
               <a:rPr lang="en-US" smtClean="0"/>
-              <a:t>4/27/2025</a:t>
+              <a:t>4/28/2025</a:t>
             </a:fld>
             <a:endParaRPr lang="en-US"/>
           </a:p>
@@ -2614,7 +2614,7 @@
           <a:p>
             <a:fld id="{6AA36526-50D6-4421-A203-614B20CF2703}" type="datetime1">
               <a:rPr lang="en-US" smtClean="0"/>
-              <a:t>4/27/2025</a:t>
+              <a:t>4/28/2025</a:t>
             </a:fld>
             <a:endParaRPr lang="en-US"/>
           </a:p>
@@ -2873,7 +2873,7 @@
           <a:p>
             <a:fld id="{75E84928-FE16-43B9-BC25-2859501720EA}" type="datetime1">
               <a:rPr lang="en-US" smtClean="0"/>
-              <a:t>4/27/2025</a:t>
+              <a:t>4/28/2025</a:t>
             </a:fld>
             <a:endParaRPr lang="en-US"/>
           </a:p>
@@ -3293,7 +3293,7 @@
           <a:p>
             <a:fld id="{52B94D21-0962-4C08-BB57-BC7507DEE084}" type="datetime1">
               <a:rPr lang="en-US" smtClean="0"/>
-              <a:t>4/27/2025</a:t>
+              <a:t>4/28/2025</a:t>
             </a:fld>
             <a:endParaRPr lang="en-US"/>
           </a:p>
@@ -3746,7 +3746,7 @@
           <a:p>
             <a:fld id="{EF075700-B54E-437C-8A31-0CC21845C39D}" type="datetime1">
               <a:rPr lang="en-US" smtClean="0"/>
-              <a:t>4/27/2025</a:t>
+              <a:t>4/28/2025</a:t>
             </a:fld>
             <a:endParaRPr lang="en-US"/>
           </a:p>
@@ -4298,7 +4298,7 @@
           <a:p>
             <a:fld id="{A7472505-C2E4-4560-87BD-F72139D98800}" type="datetime1">
               <a:rPr lang="en-US" smtClean="0"/>
-              <a:t>4/27/2025</a:t>
+              <a:t>4/28/2025</a:t>
             </a:fld>
             <a:endParaRPr lang="en-US"/>
           </a:p>
@@ -4575,7 +4575,7 @@
           <a:p>
             <a:fld id="{688C6202-6C0C-4936-9181-C3BAC183F367}" type="datetime1">
               <a:rPr lang="en-US" smtClean="0"/>
-              <a:t>4/27/2025</a:t>
+              <a:t>4/28/2025</a:t>
             </a:fld>
             <a:endParaRPr lang="en-US"/>
           </a:p>
@@ -4824,7 +4824,7 @@
           <a:p>
             <a:fld id="{B9C3A1C5-5A4D-40F5-AA30-2E2FA551A28A}" type="datetime1">
               <a:rPr lang="en-US" smtClean="0"/>
-              <a:t>4/27/2025</a:t>
+              <a:t>4/28/2025</a:t>
             </a:fld>
             <a:endParaRPr lang="en-US"/>
           </a:p>
@@ -5277,7 +5277,7 @@
           <a:p>
             <a:fld id="{A3AFC84A-6073-47BB-AA17-B11F88B48FFC}" type="datetime1">
               <a:rPr lang="en-US" smtClean="0"/>
-              <a:t>4/27/2025</a:t>
+              <a:t>4/28/2025</a:t>
             </a:fld>
             <a:endParaRPr lang="en-US"/>
           </a:p>
@@ -5705,7 +5705,7 @@
           <a:p>
             <a:fld id="{049970C6-98BD-4B9C-9DB4-A09FCA6FDD64}" type="datetime1">
               <a:rPr lang="en-US" smtClean="0"/>
-              <a:t>4/27/2025</a:t>
+              <a:t>4/28/2025</a:t>
             </a:fld>
             <a:endParaRPr lang="en-US"/>
           </a:p>
@@ -6313,7 +6313,7 @@
           <a:p>
             <a:fld id="{F21DBC69-2876-4ACB-95B6-39F77D4C7E0D}" type="datetime1">
               <a:rPr lang="en-US" smtClean="0"/>
-              <a:t>4/27/2025</a:t>
+              <a:t>4/28/2025</a:t>
             </a:fld>
             <a:r>
               <a:rPr lang="en-US"/>
@@ -6361,15 +6361,7 @@
           <a:p>
             <a:r>
               <a:rPr lang="de-DE" sz="1200" i="1" dirty="0"/>
-              <a:t>Matthias </a:t>
-            </a:r>
-            <a:r>
-              <a:rPr lang="de-DE" sz="1200" i="1" dirty="0" err="1"/>
-              <a:t>Bold</a:t>
-            </a:r>
-            <a:r>
-              <a:rPr lang="de-DE" sz="1200" i="1" dirty="0"/>
-              <a:t> | David </a:t>
+              <a:t>Matthias Bald | David </a:t>
             </a:r>
             <a:r>
               <a:rPr lang="de-DE" sz="1200" i="1" dirty="0" err="1"/>

--- a/Präsentation_Bald.pptx
+++ b/Präsentation_Bald.pptx
@@ -5,7 +5,7 @@
     <p:sldMasterId id="2147483660" r:id="rId1"/>
   </p:sldMasterIdLst>
   <p:notesMasterIdLst>
-    <p:notesMasterId r:id="rId36"/>
+    <p:notesMasterId r:id="rId39"/>
   </p:notesMasterIdLst>
   <p:sldIdLst>
     <p:sldId id="2582" r:id="rId2"/>
@@ -30,18 +30,21 @@
     <p:sldId id="2597" r:id="rId21"/>
     <p:sldId id="2598" r:id="rId22"/>
     <p:sldId id="2599" r:id="rId23"/>
-    <p:sldId id="2600" r:id="rId24"/>
-    <p:sldId id="2601" r:id="rId25"/>
-    <p:sldId id="2602" r:id="rId26"/>
-    <p:sldId id="2604" r:id="rId27"/>
-    <p:sldId id="2603" r:id="rId28"/>
-    <p:sldId id="2605" r:id="rId29"/>
-    <p:sldId id="2606" r:id="rId30"/>
-    <p:sldId id="2607" r:id="rId31"/>
-    <p:sldId id="2608" r:id="rId32"/>
-    <p:sldId id="2609" r:id="rId33"/>
-    <p:sldId id="2610" r:id="rId34"/>
-    <p:sldId id="2613" r:id="rId35"/>
+    <p:sldId id="2618" r:id="rId24"/>
+    <p:sldId id="2600" r:id="rId25"/>
+    <p:sldId id="2616" r:id="rId26"/>
+    <p:sldId id="2601" r:id="rId27"/>
+    <p:sldId id="2617" r:id="rId28"/>
+    <p:sldId id="2602" r:id="rId29"/>
+    <p:sldId id="2604" r:id="rId30"/>
+    <p:sldId id="2603" r:id="rId31"/>
+    <p:sldId id="2605" r:id="rId32"/>
+    <p:sldId id="2606" r:id="rId33"/>
+    <p:sldId id="2607" r:id="rId34"/>
+    <p:sldId id="2608" r:id="rId35"/>
+    <p:sldId id="2609" r:id="rId36"/>
+    <p:sldId id="2610" r:id="rId37"/>
+    <p:sldId id="2613" r:id="rId38"/>
   </p:sldIdLst>
   <p:sldSz cx="12192000" cy="6858000"/>
   <p:notesSz cx="6858000" cy="9144000"/>
@@ -167,8 +170,11 @@
             <p14:sldId id="2597"/>
             <p14:sldId id="2598"/>
             <p14:sldId id="2599"/>
+            <p14:sldId id="2618"/>
             <p14:sldId id="2600"/>
+            <p14:sldId id="2616"/>
             <p14:sldId id="2601"/>
+            <p14:sldId id="2617"/>
             <p14:sldId id="2602"/>
             <p14:sldId id="2604"/>
             <p14:sldId id="2603"/>
@@ -738,7 +744,7 @@
           <a:lstStyle/>
           <a:p>
             <a:fld id="{8C36BA74-7AA1-48ED-B9BC-0F570D47A936}" type="slidenum">
-              <a:t>27</a:t>
+              <a:t>30</a:t>
             </a:fld>
             <a:endParaRPr lang="de-DE"/>
           </a:p>
@@ -848,7 +854,7 @@
           <a:lstStyle/>
           <a:p>
             <a:fld id="{8C36BA74-7AA1-48ED-B9BC-0F570D47A936}" type="slidenum">
-              <a:t>30</a:t>
+              <a:t>33</a:t>
             </a:fld>
             <a:endParaRPr lang="de-DE"/>
           </a:p>
@@ -958,7 +964,7 @@
           <a:lstStyle/>
           <a:p>
             <a:fld id="{8C36BA74-7AA1-48ED-B9BC-0F570D47A936}" type="slidenum">
-              <a:t>32</a:t>
+              <a:t>35</a:t>
             </a:fld>
             <a:endParaRPr lang="de-DE"/>
           </a:p>
@@ -8566,7 +8572,7 @@
             </a:r>
             <a:r>
               <a:rPr lang="de-DE" dirty="0"/>
-              <a:t>Bewertung:</a:t>
+              <a:t>Bewertung</a:t>
             </a:r>
           </a:p>
           <a:p>
@@ -9143,7 +9149,7 @@
           <a:p>
             <a:r>
               <a:rPr lang="de-DE" dirty="0"/>
-              <a:t>Trainingsdaten (2024) enthalten 2 zusätzliche Spalten:</a:t>
+              <a:t>Trainingsdaten enthalten 2 zusätzliche Spalten:</a:t>
             </a:r>
           </a:p>
           <a:p>
@@ -9721,20 +9727,8 @@
           </a:p>
           <a:p>
             <a:r>
-              <a:rPr lang="de-DE" b="1" dirty="0"/>
-              <a:t>Zeitformate teils</a:t>
-            </a:r>
-            <a:r>
               <a:rPr lang="de-DE" dirty="0"/>
-              <a:t> </a:t>
-            </a:r>
-            <a:r>
-              <a:rPr lang="de-DE" b="1" dirty="0"/>
-              <a:t>inkonsistent</a:t>
-            </a:r>
-            <a:r>
-              <a:rPr lang="de-DE" dirty="0"/>
-              <a:t>, Preise im </a:t>
+              <a:t>Preise im </a:t>
             </a:r>
             <a:r>
               <a:rPr lang="de-DE" dirty="0" err="1"/>
@@ -9742,7 +9736,7 @@
             </a:r>
             <a:r>
               <a:rPr lang="de-DE" dirty="0"/>
-              <a:t>-Format</a:t>
+              <a:t>-Format (mögliche Rundungsfehler)</a:t>
             </a:r>
           </a:p>
           <a:p>
@@ -9753,9 +9747,6 @@
               <a:rPr lang="de-DE" dirty="0"/>
               <a:t>Daten insgesamt gut nutzbar:</a:t>
             </a:r>
-          </a:p>
-          <a:p>
-            <a:endParaRPr lang="de-DE" dirty="0"/>
           </a:p>
           <a:p>
             <a:pPr lvl="1"/>
@@ -10275,9 +10266,12 @@
         <p:spPr/>
         <p:txBody>
           <a:bodyPr>
-            <a:normAutofit lnSpcReduction="10000"/>
+            <a:normAutofit/>
           </a:bodyPr>
           <a:lstStyle/>
+          <a:p>
+            <a:endParaRPr lang="de-DE" b="1" dirty="0"/>
+          </a:p>
           <a:p>
             <a:r>
               <a:rPr lang="de-DE" b="1" dirty="0"/>
@@ -10312,40 +10306,6 @@
             <a:r>
               <a:rPr lang="de-DE" b="1" dirty="0"/>
               <a:t>Bewertungsfunktion</a:t>
-            </a:r>
-          </a:p>
-          <a:p>
-            <a:endParaRPr lang="de-DE" dirty="0"/>
-          </a:p>
-          <a:p>
-            <a:r>
-              <a:rPr lang="de-DE" dirty="0"/>
-              <a:t>Identifikation zentraler </a:t>
-            </a:r>
-            <a:r>
-              <a:rPr lang="de-DE" b="1" dirty="0"/>
-              <a:t>Zielkonflikte</a:t>
-            </a:r>
-            <a:r>
-              <a:rPr lang="de-DE" dirty="0"/>
-              <a:t> (z. B. Präzision vs. Kundenakzeptanz)</a:t>
-            </a:r>
-          </a:p>
-          <a:p>
-            <a:endParaRPr lang="de-DE" dirty="0"/>
-          </a:p>
-          <a:p>
-            <a:r>
-              <a:rPr lang="de-DE" dirty="0"/>
-              <a:t>Erstellung &amp; </a:t>
-            </a:r>
-            <a:r>
-              <a:rPr lang="de-DE" b="1" dirty="0"/>
-              <a:t>Vorstellung des Projektauftrags </a:t>
-            </a:r>
-            <a:r>
-              <a:rPr lang="de-DE" dirty="0"/>
-              <a:t>(PDF + Präsentation)</a:t>
             </a:r>
           </a:p>
         </p:txBody>
@@ -10364,6 +10324,128 @@
 </file>
 
 <file path=ppt/slides/slide23.xml><?xml version="1.0" encoding="utf-8"?>
+<p:sld xmlns:a="http://schemas.openxmlformats.org/drawingml/2006/main" xmlns:r="http://schemas.openxmlformats.org/officeDocument/2006/relationships" xmlns:p="http://schemas.openxmlformats.org/presentationml/2006/main">
+  <p:cSld>
+    <p:spTree>
+      <p:nvGrpSpPr>
+        <p:cNvPr id="1" name="">
+          <a:extLst>
+            <a:ext uri="{FF2B5EF4-FFF2-40B4-BE49-F238E27FC236}">
+              <a16:creationId xmlns:a16="http://schemas.microsoft.com/office/drawing/2014/main" id="{0DF42CB3-CD70-6422-FF8B-6F73A18A0C50}"/>
+            </a:ext>
+          </a:extLst>
+        </p:cNvPr>
+        <p:cNvGrpSpPr/>
+        <p:nvPr/>
+      </p:nvGrpSpPr>
+      <p:grpSpPr>
+        <a:xfrm>
+          <a:off x="0" y="0"/>
+          <a:ext cx="0" cy="0"/>
+          <a:chOff x="0" y="0"/>
+          <a:chExt cx="0" cy="0"/>
+        </a:xfrm>
+      </p:grpSpPr>
+      <p:sp>
+        <p:nvSpPr>
+          <p:cNvPr id="2" name="Titel 1">
+            <a:extLst>
+              <a:ext uri="{FF2B5EF4-FFF2-40B4-BE49-F238E27FC236}">
+                <a16:creationId xmlns:a16="http://schemas.microsoft.com/office/drawing/2014/main" id="{E76EE2E1-BEE4-4F8D-6D77-8D2262208606}"/>
+              </a:ext>
+            </a:extLst>
+          </p:cNvPr>
+          <p:cNvSpPr>
+            <a:spLocks noGrp="1"/>
+          </p:cNvSpPr>
+          <p:nvPr>
+            <p:ph type="title"/>
+          </p:nvPr>
+        </p:nvSpPr>
+        <p:spPr/>
+        <p:txBody>
+          <a:bodyPr/>
+          <a:lstStyle/>
+          <a:p>
+            <a:r>
+              <a:rPr lang="de-DE" dirty="0"/>
+              <a:t>5.1 Meilenstein 1: Projektdefinition &amp; Zielklärung</a:t>
+            </a:r>
+          </a:p>
+        </p:txBody>
+      </p:sp>
+      <p:sp>
+        <p:nvSpPr>
+          <p:cNvPr id="3" name="Inhaltsplatzhalter 2">
+            <a:extLst>
+              <a:ext uri="{FF2B5EF4-FFF2-40B4-BE49-F238E27FC236}">
+                <a16:creationId xmlns:a16="http://schemas.microsoft.com/office/drawing/2014/main" id="{8F116BC3-0395-A932-F055-540753E27717}"/>
+              </a:ext>
+            </a:extLst>
+          </p:cNvPr>
+          <p:cNvSpPr>
+            <a:spLocks noGrp="1"/>
+          </p:cNvSpPr>
+          <p:nvPr>
+            <p:ph idx="1"/>
+          </p:nvPr>
+        </p:nvSpPr>
+        <p:spPr/>
+        <p:txBody>
+          <a:bodyPr>
+            <a:normAutofit/>
+          </a:bodyPr>
+          <a:lstStyle/>
+          <a:p>
+            <a:endParaRPr lang="de-DE" dirty="0"/>
+          </a:p>
+          <a:p>
+            <a:r>
+              <a:rPr lang="de-DE" dirty="0"/>
+              <a:t>Identifikation zentraler </a:t>
+            </a:r>
+            <a:r>
+              <a:rPr lang="de-DE" b="1" dirty="0"/>
+              <a:t>Zielkonflikte</a:t>
+            </a:r>
+            <a:r>
+              <a:rPr lang="de-DE" dirty="0"/>
+              <a:t> (z. B. Präzision vs. Kundenakzeptanz)</a:t>
+            </a:r>
+          </a:p>
+          <a:p>
+            <a:endParaRPr lang="de-DE" dirty="0"/>
+          </a:p>
+          <a:p>
+            <a:r>
+              <a:rPr lang="de-DE" dirty="0"/>
+              <a:t>Erstellung &amp; </a:t>
+            </a:r>
+            <a:r>
+              <a:rPr lang="de-DE" b="1" dirty="0"/>
+              <a:t>Vorstellung des Projektauftrags </a:t>
+            </a:r>
+            <a:r>
+              <a:rPr lang="de-DE" dirty="0"/>
+              <a:t>(PDF + Präsentation)</a:t>
+            </a:r>
+          </a:p>
+        </p:txBody>
+      </p:sp>
+    </p:spTree>
+    <p:extLst>
+      <p:ext uri="{BB962C8B-B14F-4D97-AF65-F5344CB8AC3E}">
+        <p14:creationId xmlns:p14="http://schemas.microsoft.com/office/powerpoint/2010/main" val="3114343305"/>
+      </p:ext>
+    </p:extLst>
+  </p:cSld>
+  <p:clrMapOvr>
+    <a:masterClrMapping/>
+  </p:clrMapOvr>
+</p:sld>
+</file>
+
+<file path=ppt/slides/slide24.xml><?xml version="1.0" encoding="utf-8"?>
 <p:sld xmlns:a="http://schemas.openxmlformats.org/drawingml/2006/main" xmlns:r="http://schemas.openxmlformats.org/officeDocument/2006/relationships" xmlns:p="http://schemas.openxmlformats.org/presentationml/2006/main">
   <p:cSld>
     <p:spTree>
@@ -10430,10 +10512,15 @@
             <p:ph idx="1"/>
           </p:nvPr>
         </p:nvSpPr>
-        <p:spPr/>
+        <p:spPr>
+          <a:xfrm>
+            <a:off x="521208" y="2528597"/>
+            <a:ext cx="11155680" cy="3817340"/>
+          </a:xfrm>
+        </p:spPr>
         <p:txBody>
           <a:bodyPr>
-            <a:normAutofit fontScale="85000" lnSpcReduction="20000"/>
+            <a:normAutofit/>
           </a:bodyPr>
           <a:lstStyle/>
           <a:p>
@@ -10474,57 +10561,6 @@
             <a:r>
               <a:rPr lang="de-DE" dirty="0"/>
               <a:t>&amp; Hypothesenbildung</a:t>
-            </a:r>
-          </a:p>
-          <a:p>
-            <a:endParaRPr lang="de-DE" dirty="0"/>
-          </a:p>
-          <a:p>
-            <a:r>
-              <a:rPr lang="de-DE" b="1" dirty="0"/>
-              <a:t>Evaluierung </a:t>
-            </a:r>
-            <a:r>
-              <a:rPr lang="de-DE" dirty="0"/>
-              <a:t>der Modellierbarkeit (z. B. </a:t>
-            </a:r>
-            <a:r>
-              <a:rPr lang="de-DE" dirty="0" err="1"/>
-              <a:t>Labelverteilung</a:t>
-            </a:r>
-            <a:r>
-              <a:rPr lang="de-DE" dirty="0"/>
-              <a:t>, Datenqualität)</a:t>
-            </a:r>
-          </a:p>
-          <a:p>
-            <a:endParaRPr lang="de-DE" dirty="0"/>
-          </a:p>
-          <a:p>
-            <a:r>
-              <a:rPr lang="de-DE" dirty="0"/>
-              <a:t>Definition der </a:t>
-            </a:r>
-            <a:r>
-              <a:rPr lang="de-DE" b="1" dirty="0"/>
-              <a:t>REST-Schnittstelle</a:t>
-            </a:r>
-            <a:r>
-              <a:rPr lang="de-DE" dirty="0"/>
-              <a:t> für späteren Modellzugriff</a:t>
-            </a:r>
-          </a:p>
-          <a:p>
-            <a:endParaRPr lang="de-DE" dirty="0"/>
-          </a:p>
-          <a:p>
-            <a:r>
-              <a:rPr lang="de-DE" b="1" dirty="0"/>
-              <a:t>Präsentation</a:t>
-            </a:r>
-            <a:r>
-              <a:rPr lang="de-DE" dirty="0"/>
-              <a:t> erster Erkenntnisse &amp; ggfs. Projektanpassung</a:t>
             </a:r>
           </a:p>
         </p:txBody>
@@ -10542,7 +10578,148 @@
 </p:sld>
 </file>
 
-<file path=ppt/slides/slide24.xml><?xml version="1.0" encoding="utf-8"?>
+<file path=ppt/slides/slide25.xml><?xml version="1.0" encoding="utf-8"?>
+<p:sld xmlns:a="http://schemas.openxmlformats.org/drawingml/2006/main" xmlns:r="http://schemas.openxmlformats.org/officeDocument/2006/relationships" xmlns:p="http://schemas.openxmlformats.org/presentationml/2006/main">
+  <p:cSld>
+    <p:spTree>
+      <p:nvGrpSpPr>
+        <p:cNvPr id="1" name="">
+          <a:extLst>
+            <a:ext uri="{FF2B5EF4-FFF2-40B4-BE49-F238E27FC236}">
+              <a16:creationId xmlns:a16="http://schemas.microsoft.com/office/drawing/2014/main" id="{6BE01989-0DEA-9786-17CC-94B785BBFA49}"/>
+            </a:ext>
+          </a:extLst>
+        </p:cNvPr>
+        <p:cNvGrpSpPr/>
+        <p:nvPr/>
+      </p:nvGrpSpPr>
+      <p:grpSpPr>
+        <a:xfrm>
+          <a:off x="0" y="0"/>
+          <a:ext cx="0" cy="0"/>
+          <a:chOff x="0" y="0"/>
+          <a:chExt cx="0" cy="0"/>
+        </a:xfrm>
+      </p:grpSpPr>
+      <p:sp>
+        <p:nvSpPr>
+          <p:cNvPr id="2" name="Titel 1">
+            <a:extLst>
+              <a:ext uri="{FF2B5EF4-FFF2-40B4-BE49-F238E27FC236}">
+                <a16:creationId xmlns:a16="http://schemas.microsoft.com/office/drawing/2014/main" id="{79F8E43B-FB6A-8A7D-6515-5D54990E2CCC}"/>
+              </a:ext>
+            </a:extLst>
+          </p:cNvPr>
+          <p:cNvSpPr>
+            <a:spLocks noGrp="1"/>
+          </p:cNvSpPr>
+          <p:nvPr>
+            <p:ph type="title"/>
+          </p:nvPr>
+        </p:nvSpPr>
+        <p:spPr/>
+        <p:txBody>
+          <a:bodyPr/>
+          <a:lstStyle/>
+          <a:p>
+            <a:r>
+              <a:rPr lang="de-DE" dirty="0"/>
+              <a:t>5.2 Meilenstein 2: Datenzugang &amp; Analyse</a:t>
+            </a:r>
+          </a:p>
+        </p:txBody>
+      </p:sp>
+      <p:sp>
+        <p:nvSpPr>
+          <p:cNvPr id="3" name="Inhaltsplatzhalter 2">
+            <a:extLst>
+              <a:ext uri="{FF2B5EF4-FFF2-40B4-BE49-F238E27FC236}">
+                <a16:creationId xmlns:a16="http://schemas.microsoft.com/office/drawing/2014/main" id="{AFE61242-1819-9CEF-F8D6-5E0A6B3F96C5}"/>
+              </a:ext>
+            </a:extLst>
+          </p:cNvPr>
+          <p:cNvSpPr>
+            <a:spLocks noGrp="1"/>
+          </p:cNvSpPr>
+          <p:nvPr>
+            <p:ph idx="1"/>
+          </p:nvPr>
+        </p:nvSpPr>
+        <p:spPr>
+          <a:xfrm>
+            <a:off x="521208" y="2509935"/>
+            <a:ext cx="11155680" cy="3836002"/>
+          </a:xfrm>
+        </p:spPr>
+        <p:txBody>
+          <a:bodyPr>
+            <a:normAutofit/>
+          </a:bodyPr>
+          <a:lstStyle/>
+          <a:p>
+            <a:r>
+              <a:rPr lang="de-DE" b="1" dirty="0"/>
+              <a:t>Evaluierung </a:t>
+            </a:r>
+            <a:r>
+              <a:rPr lang="de-DE" dirty="0"/>
+              <a:t>der Modellierbarkeit (z. B. </a:t>
+            </a:r>
+            <a:r>
+              <a:rPr lang="de-DE" dirty="0" err="1"/>
+              <a:t>Labelverteilung</a:t>
+            </a:r>
+            <a:r>
+              <a:rPr lang="de-DE" dirty="0"/>
+              <a:t>, Datenqualität)</a:t>
+            </a:r>
+          </a:p>
+          <a:p>
+            <a:endParaRPr lang="de-DE" dirty="0"/>
+          </a:p>
+          <a:p>
+            <a:r>
+              <a:rPr lang="de-DE" dirty="0"/>
+              <a:t>Definition der </a:t>
+            </a:r>
+            <a:r>
+              <a:rPr lang="de-DE" b="1" dirty="0"/>
+              <a:t>REST-Schnittstelle</a:t>
+            </a:r>
+            <a:r>
+              <a:rPr lang="de-DE" dirty="0"/>
+              <a:t> für späteren Modellzugriff</a:t>
+            </a:r>
+          </a:p>
+          <a:p>
+            <a:endParaRPr lang="de-DE" dirty="0"/>
+          </a:p>
+          <a:p>
+            <a:r>
+              <a:rPr lang="de-DE" b="1" dirty="0"/>
+              <a:t>Präsentation</a:t>
+            </a:r>
+            <a:r>
+              <a:rPr lang="de-DE" dirty="0"/>
+              <a:t> erster Erkenntnisse &amp; ggfs. Projektanpassung</a:t>
+            </a:r>
+          </a:p>
+        </p:txBody>
+      </p:sp>
+    </p:spTree>
+    <p:extLst>
+      <p:ext uri="{BB962C8B-B14F-4D97-AF65-F5344CB8AC3E}">
+        <p14:creationId xmlns:p14="http://schemas.microsoft.com/office/powerpoint/2010/main" val="3167389535"/>
+      </p:ext>
+    </p:extLst>
+  </p:cSld>
+  <p:clrMapOvr>
+    <a:masterClrMapping/>
+  </p:clrMapOvr>
+</p:sld>
+</file>
+
+<file path=ppt/slides/slide26.xml><?xml version="1.0" encoding="utf-8"?>
 <p:sld xmlns:a="http://schemas.openxmlformats.org/drawingml/2006/main" xmlns:r="http://schemas.openxmlformats.org/officeDocument/2006/relationships" xmlns:p="http://schemas.openxmlformats.org/presentationml/2006/main">
   <p:cSld>
     <p:spTree>
@@ -10612,7 +10789,7 @@
         <p:spPr/>
         <p:txBody>
           <a:bodyPr>
-            <a:normAutofit fontScale="85000" lnSpcReduction="20000"/>
+            <a:normAutofit/>
           </a:bodyPr>
           <a:lstStyle/>
           <a:p>
@@ -10653,49 +10830,6 @@
             <a:r>
               <a:rPr lang="de-DE" b="1" dirty="0"/>
               <a:t>Optimierungsstrategie</a:t>
-            </a:r>
-          </a:p>
-          <a:p>
-            <a:endParaRPr lang="de-DE" dirty="0"/>
-          </a:p>
-          <a:p>
-            <a:r>
-              <a:rPr lang="de-DE" dirty="0"/>
-              <a:t>Erstellung eines funktionalen </a:t>
-            </a:r>
-            <a:r>
-              <a:rPr lang="de-DE" b="1" dirty="0"/>
-              <a:t>Prototyps </a:t>
-            </a:r>
-            <a:r>
-              <a:rPr lang="de-DE" dirty="0"/>
-              <a:t>zur Transaktionsbewertung</a:t>
-            </a:r>
-          </a:p>
-          <a:p>
-            <a:endParaRPr lang="de-DE" dirty="0"/>
-          </a:p>
-          <a:p>
-            <a:r>
-              <a:rPr lang="de-DE" b="1" dirty="0"/>
-              <a:t>Bewertung</a:t>
-            </a:r>
-            <a:r>
-              <a:rPr lang="de-DE" dirty="0"/>
-              <a:t> mit Kennzahlen (Precision, Recall, ökonomischer Nutzen)</a:t>
-            </a:r>
-          </a:p>
-          <a:p>
-            <a:endParaRPr lang="de-DE" dirty="0"/>
-          </a:p>
-          <a:p>
-            <a:r>
-              <a:rPr lang="de-DE" dirty="0"/>
-              <a:t>Ableitung konkreter </a:t>
-            </a:r>
-            <a:r>
-              <a:rPr lang="de-DE" b="1" dirty="0"/>
-              <a:t>Handlungsempfehlungen</a:t>
             </a:r>
           </a:p>
         </p:txBody>
@@ -10713,7 +10847,135 @@
 </p:sld>
 </file>
 
-<file path=ppt/slides/slide25.xml><?xml version="1.0" encoding="utf-8"?>
+<file path=ppt/slides/slide27.xml><?xml version="1.0" encoding="utf-8"?>
+<p:sld xmlns:a="http://schemas.openxmlformats.org/drawingml/2006/main" xmlns:r="http://schemas.openxmlformats.org/officeDocument/2006/relationships" xmlns:p="http://schemas.openxmlformats.org/presentationml/2006/main">
+  <p:cSld>
+    <p:spTree>
+      <p:nvGrpSpPr>
+        <p:cNvPr id="1" name="">
+          <a:extLst>
+            <a:ext uri="{FF2B5EF4-FFF2-40B4-BE49-F238E27FC236}">
+              <a16:creationId xmlns:a16="http://schemas.microsoft.com/office/drawing/2014/main" id="{EC9432A6-11DA-16A6-9E30-FB9B025EC425}"/>
+            </a:ext>
+          </a:extLst>
+        </p:cNvPr>
+        <p:cNvGrpSpPr/>
+        <p:nvPr/>
+      </p:nvGrpSpPr>
+      <p:grpSpPr>
+        <a:xfrm>
+          <a:off x="0" y="0"/>
+          <a:ext cx="0" cy="0"/>
+          <a:chOff x="0" y="0"/>
+          <a:chExt cx="0" cy="0"/>
+        </a:xfrm>
+      </p:grpSpPr>
+      <p:sp>
+        <p:nvSpPr>
+          <p:cNvPr id="2" name="Titel 1">
+            <a:extLst>
+              <a:ext uri="{FF2B5EF4-FFF2-40B4-BE49-F238E27FC236}">
+                <a16:creationId xmlns:a16="http://schemas.microsoft.com/office/drawing/2014/main" id="{4A7CD4A2-BD9F-1655-3768-E57FB86D1519}"/>
+              </a:ext>
+            </a:extLst>
+          </p:cNvPr>
+          <p:cNvSpPr>
+            <a:spLocks noGrp="1"/>
+          </p:cNvSpPr>
+          <p:nvPr>
+            <p:ph type="title"/>
+          </p:nvPr>
+        </p:nvSpPr>
+        <p:spPr/>
+        <p:txBody>
+          <a:bodyPr/>
+          <a:lstStyle/>
+          <a:p>
+            <a:r>
+              <a:rPr lang="de-DE" dirty="0"/>
+              <a:t>5.3 Meilenstein 3: Datenaufbereitung &amp; Modellierung</a:t>
+            </a:r>
+          </a:p>
+        </p:txBody>
+      </p:sp>
+      <p:sp>
+        <p:nvSpPr>
+          <p:cNvPr id="3" name="Inhaltsplatzhalter 2">
+            <a:extLst>
+              <a:ext uri="{FF2B5EF4-FFF2-40B4-BE49-F238E27FC236}">
+                <a16:creationId xmlns:a16="http://schemas.microsoft.com/office/drawing/2014/main" id="{11BF0E2C-1BB6-03A5-D3E6-A0D5F50F8A39}"/>
+              </a:ext>
+            </a:extLst>
+          </p:cNvPr>
+          <p:cNvSpPr>
+            <a:spLocks noGrp="1"/>
+          </p:cNvSpPr>
+          <p:nvPr>
+            <p:ph idx="1"/>
+          </p:nvPr>
+        </p:nvSpPr>
+        <p:spPr/>
+        <p:txBody>
+          <a:bodyPr>
+            <a:normAutofit/>
+          </a:bodyPr>
+          <a:lstStyle/>
+          <a:p>
+            <a:r>
+              <a:rPr lang="de-DE" dirty="0"/>
+              <a:t>Erstellung eines funktionalen </a:t>
+            </a:r>
+            <a:r>
+              <a:rPr lang="de-DE" b="1" dirty="0"/>
+              <a:t>Prototyps </a:t>
+            </a:r>
+            <a:r>
+              <a:rPr lang="de-DE" dirty="0"/>
+              <a:t>zur Transaktionsbewertung</a:t>
+            </a:r>
+          </a:p>
+          <a:p>
+            <a:endParaRPr lang="de-DE" dirty="0"/>
+          </a:p>
+          <a:p>
+            <a:r>
+              <a:rPr lang="de-DE" b="1" dirty="0"/>
+              <a:t>Bewertung</a:t>
+            </a:r>
+            <a:r>
+              <a:rPr lang="de-DE" dirty="0"/>
+              <a:t> mit Kennzahlen (Precision, Recall, ökonomischer Nutzen)</a:t>
+            </a:r>
+          </a:p>
+          <a:p>
+            <a:endParaRPr lang="de-DE" dirty="0"/>
+          </a:p>
+          <a:p>
+            <a:r>
+              <a:rPr lang="de-DE" dirty="0"/>
+              <a:t>Ableitung konkreter </a:t>
+            </a:r>
+            <a:r>
+              <a:rPr lang="de-DE" b="1" dirty="0"/>
+              <a:t>Handlungsempfehlungen</a:t>
+            </a:r>
+          </a:p>
+        </p:txBody>
+      </p:sp>
+    </p:spTree>
+    <p:extLst>
+      <p:ext uri="{BB962C8B-B14F-4D97-AF65-F5344CB8AC3E}">
+        <p14:creationId xmlns:p14="http://schemas.microsoft.com/office/powerpoint/2010/main" val="586858255"/>
+      </p:ext>
+    </p:extLst>
+  </p:cSld>
+  <p:clrMapOvr>
+    <a:masterClrMapping/>
+  </p:clrMapOvr>
+</p:sld>
+</file>
+
+<file path=ppt/slides/slide28.xml><?xml version="1.0" encoding="utf-8"?>
 <p:sld xmlns:a="http://schemas.openxmlformats.org/drawingml/2006/main" xmlns:r="http://schemas.openxmlformats.org/officeDocument/2006/relationships" xmlns:p="http://schemas.openxmlformats.org/presentationml/2006/main">
   <p:cSld>
     <p:spTree>
@@ -10837,7 +11099,7 @@
 </p:sld>
 </file>
 
-<file path=ppt/slides/slide26.xml><?xml version="1.0" encoding="utf-8"?>
+<file path=ppt/slides/slide29.xml><?xml version="1.0" encoding="utf-8"?>
 <p:sld xmlns:a="http://schemas.openxmlformats.org/drawingml/2006/main" xmlns:r="http://schemas.openxmlformats.org/officeDocument/2006/relationships" xmlns:p="http://schemas.openxmlformats.org/presentationml/2006/main">
   <p:cSld>
     <p:spTree>
@@ -10936,7 +11198,193 @@
 </p:sld>
 </file>
 
-<file path=ppt/slides/slide27.xml><?xml version="1.0" encoding="utf-8"?>
+<file path=ppt/slides/slide3.xml><?xml version="1.0" encoding="utf-8"?>
+<p:sld xmlns:a="http://schemas.openxmlformats.org/drawingml/2006/main" xmlns:r="http://schemas.openxmlformats.org/officeDocument/2006/relationships" xmlns:p="http://schemas.openxmlformats.org/presentationml/2006/main">
+  <p:cSld>
+    <p:spTree>
+      <p:nvGrpSpPr>
+        <p:cNvPr id="1" name="">
+          <a:extLst>
+            <a:ext uri="{FF2B5EF4-FFF2-40B4-BE49-F238E27FC236}">
+              <a16:creationId xmlns:a16="http://schemas.microsoft.com/office/drawing/2014/main" id="{BAD20BF0-86ED-887C-A967-3C4F578D38DB}"/>
+            </a:ext>
+          </a:extLst>
+        </p:cNvPr>
+        <p:cNvGrpSpPr/>
+        <p:nvPr/>
+      </p:nvGrpSpPr>
+      <p:grpSpPr>
+        <a:xfrm>
+          <a:off x="0" y="0"/>
+          <a:ext cx="0" cy="0"/>
+          <a:chOff x="0" y="0"/>
+          <a:chExt cx="0" cy="0"/>
+        </a:xfrm>
+      </p:grpSpPr>
+      <p:sp>
+        <p:nvSpPr>
+          <p:cNvPr id="2" name="Titel 1">
+            <a:extLst>
+              <a:ext uri="{FF2B5EF4-FFF2-40B4-BE49-F238E27FC236}">
+                <a16:creationId xmlns:a16="http://schemas.microsoft.com/office/drawing/2014/main" id="{FB2401F6-90EC-8FDF-0095-2F8924099866}"/>
+              </a:ext>
+            </a:extLst>
+          </p:cNvPr>
+          <p:cNvSpPr>
+            <a:spLocks noGrp="1"/>
+          </p:cNvSpPr>
+          <p:nvPr>
+            <p:ph type="title"/>
+          </p:nvPr>
+        </p:nvSpPr>
+        <p:spPr>
+          <a:xfrm>
+            <a:off x="4739780" y="2578608"/>
+            <a:ext cx="6236208" cy="1463040"/>
+          </a:xfrm>
+        </p:spPr>
+        <p:txBody>
+          <a:bodyPr vert="horz" lIns="91440" tIns="45720" rIns="91440" bIns="45720" rtlCol="0" anchor="t">
+            <a:normAutofit/>
+          </a:bodyPr>
+          <a:lstStyle/>
+          <a:p>
+            <a:r>
+              <a:rPr lang="en-US" b="1" kern="1200" dirty="0" err="1">
+                <a:solidFill>
+                  <a:schemeClr val="tx1"/>
+                </a:solidFill>
+                <a:latin typeface="+mj-lt"/>
+                <a:ea typeface="+mj-ea"/>
+                <a:cs typeface="+mj-cs"/>
+              </a:rPr>
+              <a:t>Warum</a:t>
+            </a:r>
+            <a:r>
+              <a:rPr lang="en-US" b="1" kern="1200" dirty="0">
+                <a:solidFill>
+                  <a:schemeClr val="tx1"/>
+                </a:solidFill>
+                <a:latin typeface="+mj-lt"/>
+                <a:ea typeface="+mj-ea"/>
+                <a:cs typeface="+mj-cs"/>
+              </a:rPr>
+              <a:t> </a:t>
+            </a:r>
+            <a:r>
+              <a:rPr lang="en-US" b="1" kern="1200" dirty="0" err="1">
+                <a:solidFill>
+                  <a:schemeClr val="tx1"/>
+                </a:solidFill>
+                <a:latin typeface="+mj-lt"/>
+                <a:ea typeface="+mj-ea"/>
+                <a:cs typeface="+mj-cs"/>
+              </a:rPr>
+              <a:t>wir</a:t>
+            </a:r>
+            <a:r>
+              <a:rPr lang="en-US" b="1" kern="1200" dirty="0">
+                <a:solidFill>
+                  <a:schemeClr val="tx1"/>
+                </a:solidFill>
+                <a:latin typeface="+mj-lt"/>
+                <a:ea typeface="+mj-ea"/>
+                <a:cs typeface="+mj-cs"/>
+              </a:rPr>
+              <a:t> die </a:t>
+            </a:r>
+            <a:r>
+              <a:rPr lang="en-US" b="1" kern="1200" dirty="0" err="1">
+                <a:solidFill>
+                  <a:schemeClr val="tx1"/>
+                </a:solidFill>
+                <a:latin typeface="+mj-lt"/>
+                <a:ea typeface="+mj-ea"/>
+                <a:cs typeface="+mj-cs"/>
+              </a:rPr>
+              <a:t>Richtigen</a:t>
+            </a:r>
+            <a:r>
+              <a:rPr lang="en-US" b="1" kern="1200" dirty="0">
+                <a:solidFill>
+                  <a:schemeClr val="tx1"/>
+                </a:solidFill>
+                <a:latin typeface="+mj-lt"/>
+                <a:ea typeface="+mj-ea"/>
+                <a:cs typeface="+mj-cs"/>
+              </a:rPr>
+              <a:t> für Sie </a:t>
+            </a:r>
+            <a:r>
+              <a:rPr lang="en-US" b="1" kern="1200" dirty="0" err="1">
+                <a:solidFill>
+                  <a:schemeClr val="tx1"/>
+                </a:solidFill>
+                <a:latin typeface="+mj-lt"/>
+                <a:ea typeface="+mj-ea"/>
+                <a:cs typeface="+mj-cs"/>
+              </a:rPr>
+              <a:t>sind</a:t>
+            </a:r>
+            <a:endParaRPr lang="en-US" b="1" kern="1200" dirty="0">
+              <a:solidFill>
+                <a:schemeClr val="tx1"/>
+              </a:solidFill>
+              <a:latin typeface="+mj-lt"/>
+              <a:ea typeface="+mj-ea"/>
+              <a:cs typeface="+mj-cs"/>
+            </a:endParaRPr>
+          </a:p>
+        </p:txBody>
+      </p:sp>
+      <p:pic>
+        <p:nvPicPr>
+          <p:cNvPr id="5" name="Inhaltsplatzhalter 4" descr="Aufnahme eines Geschäftsmannes, der sich an einem Haufen Kryptowährungsballons auf einem Diagramm vor weißem Hintergrund festhält">
+            <a:extLst>
+              <a:ext uri="{FF2B5EF4-FFF2-40B4-BE49-F238E27FC236}">
+                <a16:creationId xmlns:a16="http://schemas.microsoft.com/office/drawing/2014/main" id="{8D5B8E70-BECE-9185-56E3-F163DF62F56E}"/>
+              </a:ext>
+            </a:extLst>
+          </p:cNvPr>
+          <p:cNvPicPr>
+            <a:picLocks noGrp="1" noChangeAspect="1"/>
+          </p:cNvPicPr>
+          <p:nvPr>
+            <p:ph sz="half" idx="1"/>
+          </p:nvPr>
+        </p:nvPicPr>
+        <p:blipFill>
+          <a:blip r:embed="rId3"/>
+          <a:srcRect l="37853" r="133" b="-1"/>
+          <a:stretch/>
+        </p:blipFill>
+        <p:spPr>
+          <a:xfrm>
+            <a:off x="808886" y="849085"/>
+            <a:ext cx="3684291" cy="5094515"/>
+          </a:xfrm>
+          <a:prstGeom prst="rect">
+            <a:avLst/>
+          </a:prstGeom>
+        </p:spPr>
+      </p:pic>
+    </p:spTree>
+    <p:extLst>
+      <p:ext uri="{BB962C8B-B14F-4D97-AF65-F5344CB8AC3E}">
+        <p14:creationId xmlns:p14="http://schemas.microsoft.com/office/powerpoint/2010/main" val="2783572318"/>
+      </p:ext>
+    </p:extLst>
+  </p:cSld>
+  <p:clrMapOvr>
+    <a:masterClrMapping/>
+  </p:clrMapOvr>
+  <p:transition>
+    <p:fade/>
+  </p:transition>
+</p:sld>
+</file>
+
+<file path=ppt/slides/slide30.xml><?xml version="1.0" encoding="utf-8"?>
 <p:sld xmlns:a="http://schemas.openxmlformats.org/drawingml/2006/main" xmlns:r="http://schemas.openxmlformats.org/officeDocument/2006/relationships" xmlns:p="http://schemas.openxmlformats.org/presentationml/2006/main">
   <p:cSld>
     <p:bg>
@@ -11240,878 +11688,6 @@
     <p:extLst>
       <p:ext uri="{BB962C8B-B14F-4D97-AF65-F5344CB8AC3E}">
         <p14:creationId xmlns:p14="http://schemas.microsoft.com/office/powerpoint/2010/main" val="947309787"/>
-      </p:ext>
-    </p:extLst>
-  </p:cSld>
-  <p:clrMapOvr>
-    <a:overrideClrMapping bg1="dk1" tx1="lt1" bg2="dk2" tx2="lt2" accent1="accent1" accent2="accent2" accent3="accent3" accent4="accent4" accent5="accent5" accent6="accent6" hlink="hlink" folHlink="folHlink"/>
-  </p:clrMapOvr>
-  <p:transition>
-    <p:fade/>
-  </p:transition>
-  <p:timing>
-    <p:tnLst>
-      <p:par>
-        <p:cTn id="1" dur="indefinite" restart="never" nodeType="tmRoot">
-          <p:childTnLst>
-            <p:seq concurrent="1" nextAc="seek">
-              <p:cTn id="2" dur="indefinite" nodeType="mainSeq">
-                <p:childTnLst>
-                  <p:par>
-                    <p:cTn id="3" fill="hold">
-                      <p:stCondLst>
-                        <p:cond delay="indefinite"/>
-                        <p:cond evt="onBegin" delay="0">
-                          <p:tn val="2"/>
-                        </p:cond>
-                      </p:stCondLst>
-                      <p:childTnLst>
-                        <p:par>
-                          <p:cTn id="4" fill="hold">
-                            <p:stCondLst>
-                              <p:cond delay="0"/>
-                            </p:stCondLst>
-                            <p:childTnLst>
-                              <p:par>
-                                <p:cTn id="5" presetID="10" presetClass="entr" presetSubtype="0" fill="hold" grpId="0" nodeType="withEffect">
-                                  <p:stCondLst>
-                                    <p:cond delay="500"/>
-                                  </p:stCondLst>
-                                  <p:iterate>
-                                    <p:tmPct val="10000"/>
-                                  </p:iterate>
-                                  <p:childTnLst>
-                                    <p:set>
-                                      <p:cBhvr>
-                                        <p:cTn id="6" dur="1" fill="hold">
-                                          <p:stCondLst>
-                                            <p:cond delay="0"/>
-                                          </p:stCondLst>
-                                        </p:cTn>
-                                        <p:tgtEl>
-                                          <p:spTgt spid="2"/>
-                                        </p:tgtEl>
-                                        <p:attrNameLst>
-                                          <p:attrName>style.visibility</p:attrName>
-                                        </p:attrNameLst>
-                                      </p:cBhvr>
-                                      <p:to>
-                                        <p:strVal val="visible"/>
-                                      </p:to>
-                                    </p:set>
-                                    <p:animEffect transition="in" filter="fade">
-                                      <p:cBhvr>
-                                        <p:cTn id="7" dur="700"/>
-                                        <p:tgtEl>
-                                          <p:spTgt spid="2"/>
-                                        </p:tgtEl>
-                                      </p:cBhvr>
-                                    </p:animEffect>
-                                  </p:childTnLst>
-                                </p:cTn>
-                              </p:par>
-                            </p:childTnLst>
-                          </p:cTn>
-                        </p:par>
-                      </p:childTnLst>
-                    </p:cTn>
-                  </p:par>
-                </p:childTnLst>
-              </p:cTn>
-              <p:prevCondLst>
-                <p:cond evt="onPrev" delay="0">
-                  <p:tgtEl>
-                    <p:sldTgt/>
-                  </p:tgtEl>
-                </p:cond>
-              </p:prevCondLst>
-              <p:nextCondLst>
-                <p:cond evt="onNext" delay="0">
-                  <p:tgtEl>
-                    <p:sldTgt/>
-                  </p:tgtEl>
-                </p:cond>
-              </p:nextCondLst>
-            </p:seq>
-          </p:childTnLst>
-        </p:cTn>
-      </p:par>
-    </p:tnLst>
-    <p:bldLst>
-      <p:bldP spid="2" grpId="0"/>
-    </p:bldLst>
-  </p:timing>
-</p:sld>
-</file>
-
-<file path=ppt/slides/slide28.xml><?xml version="1.0" encoding="utf-8"?>
-<p:sld xmlns:a="http://schemas.openxmlformats.org/drawingml/2006/main" xmlns:r="http://schemas.openxmlformats.org/officeDocument/2006/relationships" xmlns:p="http://schemas.openxmlformats.org/presentationml/2006/main">
-  <p:cSld>
-    <p:spTree>
-      <p:nvGrpSpPr>
-        <p:cNvPr id="1" name="">
-          <a:extLst>
-            <a:ext uri="{FF2B5EF4-FFF2-40B4-BE49-F238E27FC236}">
-              <a16:creationId xmlns:a16="http://schemas.microsoft.com/office/drawing/2014/main" id="{3414FD77-D073-AE92-4528-ABE7433623C2}"/>
-            </a:ext>
-          </a:extLst>
-        </p:cNvPr>
-        <p:cNvGrpSpPr/>
-        <p:nvPr/>
-      </p:nvGrpSpPr>
-      <p:grpSpPr>
-        <a:xfrm>
-          <a:off x="0" y="0"/>
-          <a:ext cx="0" cy="0"/>
-          <a:chOff x="0" y="0"/>
-          <a:chExt cx="0" cy="0"/>
-        </a:xfrm>
-      </p:grpSpPr>
-      <p:sp>
-        <p:nvSpPr>
-          <p:cNvPr id="2" name="Titel 1">
-            <a:extLst>
-              <a:ext uri="{FF2B5EF4-FFF2-40B4-BE49-F238E27FC236}">
-                <a16:creationId xmlns:a16="http://schemas.microsoft.com/office/drawing/2014/main" id="{95351D7D-772A-9EBE-DB67-D2C2A4477FAF}"/>
-              </a:ext>
-            </a:extLst>
-          </p:cNvPr>
-          <p:cNvSpPr>
-            <a:spLocks noGrp="1"/>
-          </p:cNvSpPr>
-          <p:nvPr>
-            <p:ph type="title"/>
-          </p:nvPr>
-        </p:nvSpPr>
-        <p:spPr/>
-        <p:txBody>
-          <a:bodyPr/>
-          <a:lstStyle/>
-          <a:p>
-            <a:r>
-              <a:rPr lang="de-DE" dirty="0"/>
-              <a:t>6.1 Risiken &amp; Herausforderungen</a:t>
-            </a:r>
-          </a:p>
-        </p:txBody>
-      </p:sp>
-      <p:sp>
-        <p:nvSpPr>
-          <p:cNvPr id="3" name="Inhaltsplatzhalter 2">
-            <a:extLst>
-              <a:ext uri="{FF2B5EF4-FFF2-40B4-BE49-F238E27FC236}">
-                <a16:creationId xmlns:a16="http://schemas.microsoft.com/office/drawing/2014/main" id="{90FA0EDE-DACC-220A-25D8-B5614E1A88E3}"/>
-              </a:ext>
-            </a:extLst>
-          </p:cNvPr>
-          <p:cNvSpPr>
-            <a:spLocks noGrp="1"/>
-          </p:cNvSpPr>
-          <p:nvPr>
-            <p:ph idx="1"/>
-          </p:nvPr>
-        </p:nvSpPr>
-        <p:spPr/>
-        <p:txBody>
-          <a:bodyPr>
-            <a:normAutofit/>
-          </a:bodyPr>
-          <a:lstStyle/>
-          <a:p>
-            <a:r>
-              <a:rPr lang="de-DE" b="1" dirty="0"/>
-              <a:t>Grenzen der Bewertungslogik </a:t>
-            </a:r>
-            <a:r>
-              <a:rPr lang="de-DE" dirty="0"/>
-              <a:t>→ Kleine Diebstähle könnten systematisch „übersehen“ werden</a:t>
-            </a:r>
-          </a:p>
-          <a:p>
-            <a:endParaRPr lang="de-DE" dirty="0"/>
-          </a:p>
-          <a:p>
-            <a:r>
-              <a:rPr lang="de-DE" b="1" dirty="0"/>
-              <a:t>Wenig gelabelte Daten </a:t>
-            </a:r>
-            <a:r>
-              <a:rPr lang="de-DE" dirty="0"/>
-              <a:t>(≈ 3 %) → Gefahr eingeschränkter Modellgeneralisation, v. a. bei komplexen Methoden</a:t>
-            </a:r>
-          </a:p>
-          <a:p>
-            <a:endParaRPr lang="de-DE" dirty="0"/>
-          </a:p>
-          <a:p>
-            <a:r>
-              <a:rPr lang="de-DE" b="1" dirty="0"/>
-              <a:t>Übertragbarkeit auf andere Filialen fraglich </a:t>
-            </a:r>
-            <a:r>
-              <a:rPr lang="de-DE" dirty="0"/>
-              <a:t>→ Unterschiedliche Technik &amp; Kundenverhalten</a:t>
-            </a:r>
-          </a:p>
-          <a:p>
-            <a:endParaRPr lang="de-DE" dirty="0"/>
-          </a:p>
-          <a:p>
-            <a:r>
-              <a:rPr lang="de-DE" b="1" dirty="0"/>
-              <a:t>Stark unausgewogene Häufigkeiten </a:t>
-            </a:r>
-            <a:r>
-              <a:rPr lang="de-DE" dirty="0"/>
-              <a:t>zwischen fehlerhaften und nicht fehlerhaften Transaktionen</a:t>
-            </a:r>
-            <a:br>
-              <a:rPr lang="de-DE" b="1" dirty="0"/>
-            </a:br>
-            <a:r>
-              <a:rPr lang="de-DE" b="1" dirty="0"/>
-              <a:t> </a:t>
-            </a:r>
-            <a:r>
-              <a:rPr lang="de-DE" dirty="0"/>
-              <a:t>→ Erschwert Training und Modellleistung</a:t>
-            </a:r>
-          </a:p>
-          <a:p>
-            <a:endParaRPr lang="de-DE" dirty="0"/>
-          </a:p>
-        </p:txBody>
-      </p:sp>
-    </p:spTree>
-    <p:extLst>
-      <p:ext uri="{BB962C8B-B14F-4D97-AF65-F5344CB8AC3E}">
-        <p14:creationId xmlns:p14="http://schemas.microsoft.com/office/powerpoint/2010/main" val="2355734047"/>
-      </p:ext>
-    </p:extLst>
-  </p:cSld>
-  <p:clrMapOvr>
-    <a:masterClrMapping/>
-  </p:clrMapOvr>
-</p:sld>
-</file>
-
-<file path=ppt/slides/slide29.xml><?xml version="1.0" encoding="utf-8"?>
-<p:sld xmlns:a="http://schemas.openxmlformats.org/drawingml/2006/main" xmlns:r="http://schemas.openxmlformats.org/officeDocument/2006/relationships" xmlns:p="http://schemas.openxmlformats.org/presentationml/2006/main">
-  <p:cSld>
-    <p:spTree>
-      <p:nvGrpSpPr>
-        <p:cNvPr id="1" name="">
-          <a:extLst>
-            <a:ext uri="{FF2B5EF4-FFF2-40B4-BE49-F238E27FC236}">
-              <a16:creationId xmlns:a16="http://schemas.microsoft.com/office/drawing/2014/main" id="{4170724C-E2CE-47AA-44E7-8BE93ED6F2A0}"/>
-            </a:ext>
-          </a:extLst>
-        </p:cNvPr>
-        <p:cNvGrpSpPr/>
-        <p:nvPr/>
-      </p:nvGrpSpPr>
-      <p:grpSpPr>
-        <a:xfrm>
-          <a:off x="0" y="0"/>
-          <a:ext cx="0" cy="0"/>
-          <a:chOff x="0" y="0"/>
-          <a:chExt cx="0" cy="0"/>
-        </a:xfrm>
-      </p:grpSpPr>
-      <p:sp>
-        <p:nvSpPr>
-          <p:cNvPr id="2" name="Titel 1">
-            <a:extLst>
-              <a:ext uri="{FF2B5EF4-FFF2-40B4-BE49-F238E27FC236}">
-                <a16:creationId xmlns:a16="http://schemas.microsoft.com/office/drawing/2014/main" id="{C1F2A257-F044-539A-8429-013D664E0E6B}"/>
-              </a:ext>
-            </a:extLst>
-          </p:cNvPr>
-          <p:cNvSpPr>
-            <a:spLocks noGrp="1"/>
-          </p:cNvSpPr>
-          <p:nvPr>
-            <p:ph type="title"/>
-          </p:nvPr>
-        </p:nvSpPr>
-        <p:spPr/>
-        <p:txBody>
-          <a:bodyPr/>
-          <a:lstStyle/>
-          <a:p>
-            <a:r>
-              <a:rPr lang="de-DE" dirty="0"/>
-              <a:t>6.1 Risiken &amp; Herausforderungen</a:t>
-            </a:r>
-          </a:p>
-        </p:txBody>
-      </p:sp>
-      <p:sp>
-        <p:nvSpPr>
-          <p:cNvPr id="3" name="Inhaltsplatzhalter 2">
-            <a:extLst>
-              <a:ext uri="{FF2B5EF4-FFF2-40B4-BE49-F238E27FC236}">
-                <a16:creationId xmlns:a16="http://schemas.microsoft.com/office/drawing/2014/main" id="{C5ECB6A6-0121-DFC1-55AF-B397A1C45BC0}"/>
-              </a:ext>
-            </a:extLst>
-          </p:cNvPr>
-          <p:cNvSpPr>
-            <a:spLocks noGrp="1"/>
-          </p:cNvSpPr>
-          <p:nvPr>
-            <p:ph idx="1"/>
-          </p:nvPr>
-        </p:nvSpPr>
-        <p:spPr/>
-        <p:txBody>
-          <a:bodyPr>
-            <a:normAutofit/>
-          </a:bodyPr>
-          <a:lstStyle/>
-          <a:p>
-            <a:r>
-              <a:rPr lang="de-DE" b="1" dirty="0"/>
-              <a:t>Modellverständlichkeit</a:t>
-            </a:r>
-            <a:r>
-              <a:rPr lang="de-DE" dirty="0"/>
-              <a:t> → Komplexe Modelle könnten im Alltag schwer vermittelbar sein</a:t>
-            </a:r>
-          </a:p>
-          <a:p>
-            <a:endParaRPr lang="de-DE" dirty="0"/>
-          </a:p>
-          <a:p>
-            <a:r>
-              <a:rPr lang="de-DE" b="1" dirty="0"/>
-              <a:t>Fehlendes Data Dictionary </a:t>
-            </a:r>
-            <a:r>
-              <a:rPr lang="de-DE" dirty="0"/>
-              <a:t>→ Risiko fehlerhafter Interpretation einzelner Variablen</a:t>
-            </a:r>
-          </a:p>
-          <a:p>
-            <a:endParaRPr lang="de-DE" dirty="0"/>
-          </a:p>
-          <a:p>
-            <a:r>
-              <a:rPr lang="de-DE" b="1" dirty="0"/>
-              <a:t>Rechtliche &amp; externe Vorgaben </a:t>
-            </a:r>
-            <a:r>
-              <a:rPr lang="de-DE" dirty="0"/>
-              <a:t>→ Datenschutz &amp; juristische Rahmenbedingungen nicht Teil des Projekts</a:t>
-            </a:r>
-          </a:p>
-          <a:p>
-            <a:endParaRPr lang="de-DE" dirty="0"/>
-          </a:p>
-        </p:txBody>
-      </p:sp>
-    </p:spTree>
-    <p:extLst>
-      <p:ext uri="{BB962C8B-B14F-4D97-AF65-F5344CB8AC3E}">
-        <p14:creationId xmlns:p14="http://schemas.microsoft.com/office/powerpoint/2010/main" val="3017336154"/>
-      </p:ext>
-    </p:extLst>
-  </p:cSld>
-  <p:clrMapOvr>
-    <a:masterClrMapping/>
-  </p:clrMapOvr>
-</p:sld>
-</file>
-
-<file path=ppt/slides/slide3.xml><?xml version="1.0" encoding="utf-8"?>
-<p:sld xmlns:a="http://schemas.openxmlformats.org/drawingml/2006/main" xmlns:r="http://schemas.openxmlformats.org/officeDocument/2006/relationships" xmlns:p="http://schemas.openxmlformats.org/presentationml/2006/main">
-  <p:cSld>
-    <p:spTree>
-      <p:nvGrpSpPr>
-        <p:cNvPr id="1" name="">
-          <a:extLst>
-            <a:ext uri="{FF2B5EF4-FFF2-40B4-BE49-F238E27FC236}">
-              <a16:creationId xmlns:a16="http://schemas.microsoft.com/office/drawing/2014/main" id="{BAD20BF0-86ED-887C-A967-3C4F578D38DB}"/>
-            </a:ext>
-          </a:extLst>
-        </p:cNvPr>
-        <p:cNvGrpSpPr/>
-        <p:nvPr/>
-      </p:nvGrpSpPr>
-      <p:grpSpPr>
-        <a:xfrm>
-          <a:off x="0" y="0"/>
-          <a:ext cx="0" cy="0"/>
-          <a:chOff x="0" y="0"/>
-          <a:chExt cx="0" cy="0"/>
-        </a:xfrm>
-      </p:grpSpPr>
-      <p:sp>
-        <p:nvSpPr>
-          <p:cNvPr id="2" name="Titel 1">
-            <a:extLst>
-              <a:ext uri="{FF2B5EF4-FFF2-40B4-BE49-F238E27FC236}">
-                <a16:creationId xmlns:a16="http://schemas.microsoft.com/office/drawing/2014/main" id="{FB2401F6-90EC-8FDF-0095-2F8924099866}"/>
-              </a:ext>
-            </a:extLst>
-          </p:cNvPr>
-          <p:cNvSpPr>
-            <a:spLocks noGrp="1"/>
-          </p:cNvSpPr>
-          <p:nvPr>
-            <p:ph type="title"/>
-          </p:nvPr>
-        </p:nvSpPr>
-        <p:spPr>
-          <a:xfrm>
-            <a:off x="4739780" y="2578608"/>
-            <a:ext cx="6236208" cy="1463040"/>
-          </a:xfrm>
-        </p:spPr>
-        <p:txBody>
-          <a:bodyPr vert="horz" lIns="91440" tIns="45720" rIns="91440" bIns="45720" rtlCol="0" anchor="t">
-            <a:normAutofit/>
-          </a:bodyPr>
-          <a:lstStyle/>
-          <a:p>
-            <a:r>
-              <a:rPr lang="en-US" b="1" kern="1200" dirty="0" err="1">
-                <a:solidFill>
-                  <a:schemeClr val="tx1"/>
-                </a:solidFill>
-                <a:latin typeface="+mj-lt"/>
-                <a:ea typeface="+mj-ea"/>
-                <a:cs typeface="+mj-cs"/>
-              </a:rPr>
-              <a:t>Warum</a:t>
-            </a:r>
-            <a:r>
-              <a:rPr lang="en-US" b="1" kern="1200" dirty="0">
-                <a:solidFill>
-                  <a:schemeClr val="tx1"/>
-                </a:solidFill>
-                <a:latin typeface="+mj-lt"/>
-                <a:ea typeface="+mj-ea"/>
-                <a:cs typeface="+mj-cs"/>
-              </a:rPr>
-              <a:t> </a:t>
-            </a:r>
-            <a:r>
-              <a:rPr lang="en-US" b="1" kern="1200" dirty="0" err="1">
-                <a:solidFill>
-                  <a:schemeClr val="tx1"/>
-                </a:solidFill>
-                <a:latin typeface="+mj-lt"/>
-                <a:ea typeface="+mj-ea"/>
-                <a:cs typeface="+mj-cs"/>
-              </a:rPr>
-              <a:t>wir</a:t>
-            </a:r>
-            <a:r>
-              <a:rPr lang="en-US" b="1" kern="1200" dirty="0">
-                <a:solidFill>
-                  <a:schemeClr val="tx1"/>
-                </a:solidFill>
-                <a:latin typeface="+mj-lt"/>
-                <a:ea typeface="+mj-ea"/>
-                <a:cs typeface="+mj-cs"/>
-              </a:rPr>
-              <a:t> die </a:t>
-            </a:r>
-            <a:r>
-              <a:rPr lang="en-US" b="1" kern="1200" dirty="0" err="1">
-                <a:solidFill>
-                  <a:schemeClr val="tx1"/>
-                </a:solidFill>
-                <a:latin typeface="+mj-lt"/>
-                <a:ea typeface="+mj-ea"/>
-                <a:cs typeface="+mj-cs"/>
-              </a:rPr>
-              <a:t>Richtigen</a:t>
-            </a:r>
-            <a:r>
-              <a:rPr lang="en-US" b="1" kern="1200" dirty="0">
-                <a:solidFill>
-                  <a:schemeClr val="tx1"/>
-                </a:solidFill>
-                <a:latin typeface="+mj-lt"/>
-                <a:ea typeface="+mj-ea"/>
-                <a:cs typeface="+mj-cs"/>
-              </a:rPr>
-              <a:t> für Sie </a:t>
-            </a:r>
-            <a:r>
-              <a:rPr lang="en-US" b="1" kern="1200" dirty="0" err="1">
-                <a:solidFill>
-                  <a:schemeClr val="tx1"/>
-                </a:solidFill>
-                <a:latin typeface="+mj-lt"/>
-                <a:ea typeface="+mj-ea"/>
-                <a:cs typeface="+mj-cs"/>
-              </a:rPr>
-              <a:t>sind</a:t>
-            </a:r>
-            <a:endParaRPr lang="en-US" b="1" kern="1200" dirty="0">
-              <a:solidFill>
-                <a:schemeClr val="tx1"/>
-              </a:solidFill>
-              <a:latin typeface="+mj-lt"/>
-              <a:ea typeface="+mj-ea"/>
-              <a:cs typeface="+mj-cs"/>
-            </a:endParaRPr>
-          </a:p>
-        </p:txBody>
-      </p:sp>
-      <p:pic>
-        <p:nvPicPr>
-          <p:cNvPr id="5" name="Inhaltsplatzhalter 4" descr="Aufnahme eines Geschäftsmannes, der sich an einem Haufen Kryptowährungsballons auf einem Diagramm vor weißem Hintergrund festhält">
-            <a:extLst>
-              <a:ext uri="{FF2B5EF4-FFF2-40B4-BE49-F238E27FC236}">
-                <a16:creationId xmlns:a16="http://schemas.microsoft.com/office/drawing/2014/main" id="{8D5B8E70-BECE-9185-56E3-F163DF62F56E}"/>
-              </a:ext>
-            </a:extLst>
-          </p:cNvPr>
-          <p:cNvPicPr>
-            <a:picLocks noGrp="1" noChangeAspect="1"/>
-          </p:cNvPicPr>
-          <p:nvPr>
-            <p:ph sz="half" idx="1"/>
-          </p:nvPr>
-        </p:nvPicPr>
-        <p:blipFill>
-          <a:blip r:embed="rId3"/>
-          <a:srcRect l="37853" r="133" b="-1"/>
-          <a:stretch/>
-        </p:blipFill>
-        <p:spPr>
-          <a:xfrm>
-            <a:off x="808886" y="849085"/>
-            <a:ext cx="3684291" cy="5094515"/>
-          </a:xfrm>
-          <a:prstGeom prst="rect">
-            <a:avLst/>
-          </a:prstGeom>
-        </p:spPr>
-      </p:pic>
-    </p:spTree>
-    <p:extLst>
-      <p:ext uri="{BB962C8B-B14F-4D97-AF65-F5344CB8AC3E}">
-        <p14:creationId xmlns:p14="http://schemas.microsoft.com/office/powerpoint/2010/main" val="2783572318"/>
-      </p:ext>
-    </p:extLst>
-  </p:cSld>
-  <p:clrMapOvr>
-    <a:masterClrMapping/>
-  </p:clrMapOvr>
-  <p:transition>
-    <p:fade/>
-  </p:transition>
-</p:sld>
-</file>
-
-<file path=ppt/slides/slide30.xml><?xml version="1.0" encoding="utf-8"?>
-<p:sld xmlns:a="http://schemas.openxmlformats.org/drawingml/2006/main" xmlns:r="http://schemas.openxmlformats.org/officeDocument/2006/relationships" xmlns:p="http://schemas.openxmlformats.org/presentationml/2006/main">
-  <p:cSld>
-    <p:bg>
-      <p:bgPr>
-        <a:solidFill>
-          <a:schemeClr val="bg1"/>
-        </a:solidFill>
-        <a:effectLst/>
-      </p:bgPr>
-    </p:bg>
-    <p:spTree>
-      <p:nvGrpSpPr>
-        <p:cNvPr id="1" name="">
-          <a:extLst>
-            <a:ext uri="{FF2B5EF4-FFF2-40B4-BE49-F238E27FC236}">
-              <a16:creationId xmlns:a16="http://schemas.microsoft.com/office/drawing/2014/main" id="{71B5BEA1-1CC3-6086-DAD5-7D1FEFF03B88}"/>
-            </a:ext>
-          </a:extLst>
-        </p:cNvPr>
-        <p:cNvGrpSpPr/>
-        <p:nvPr/>
-      </p:nvGrpSpPr>
-      <p:grpSpPr>
-        <a:xfrm>
-          <a:off x="0" y="0"/>
-          <a:ext cx="0" cy="0"/>
-          <a:chOff x="0" y="0"/>
-          <a:chExt cx="0" cy="0"/>
-        </a:xfrm>
-      </p:grpSpPr>
-      <p:sp useBgFill="1">
-        <p:nvSpPr>
-          <p:cNvPr id="7" name="Rectangle 6">
-            <a:extLst>
-              <a:ext uri="{FF2B5EF4-FFF2-40B4-BE49-F238E27FC236}">
-                <a16:creationId xmlns:a16="http://schemas.microsoft.com/office/drawing/2014/main" id="{A3017DF1-584E-85FD-5E3C-735BD83C7809}"/>
-              </a:ext>
-              <a:ext uri="{C183D7F6-B498-43B3-948B-1728B52AA6E4}">
-                <adec:decorative xmlns:adec="http://schemas.microsoft.com/office/drawing/2017/decorative" val="1"/>
-              </a:ext>
-            </a:extLst>
-          </p:cNvPr>
-          <p:cNvSpPr>
-            <a:spLocks noGrp="1" noRot="1" noChangeAspect="1" noMove="1" noResize="1" noEditPoints="1" noAdjustHandles="1" noChangeArrowheads="1" noChangeShapeType="1" noTextEdit="1"/>
-          </p:cNvSpPr>
-          <p:nvPr>
-            <p:extLst>
-              <p:ext uri="{386F3935-93C4-4BCD-93E2-E3B085C9AB24}">
-                <p16:designElem xmlns:p16="http://schemas.microsoft.com/office/powerpoint/2015/main" val="1"/>
-              </p:ext>
-            </p:extLst>
-          </p:nvPr>
-        </p:nvSpPr>
-        <p:spPr>
-          <a:xfrm>
-            <a:off x="0" y="0"/>
-            <a:ext cx="12192000" cy="6858000"/>
-          </a:xfrm>
-          <a:prstGeom prst="rect">
-            <a:avLst/>
-          </a:prstGeom>
-          <a:ln w="12700" cap="flat" cmpd="sng" algn="ctr">
-            <a:noFill/>
-            <a:prstDash val="solid"/>
-            <a:miter lim="800000"/>
-          </a:ln>
-          <a:effectLst/>
-        </p:spPr>
-        <p:style>
-          <a:lnRef idx="2">
-            <a:schemeClr val="accent1">
-              <a:shade val="15000"/>
-            </a:schemeClr>
-          </a:lnRef>
-          <a:fillRef idx="1">
-            <a:schemeClr val="accent1"/>
-          </a:fillRef>
-          <a:effectRef idx="0">
-            <a:schemeClr val="accent1"/>
-          </a:effectRef>
-          <a:fontRef idx="minor">
-            <a:schemeClr val="lt1"/>
-          </a:fontRef>
-        </p:style>
-        <p:txBody>
-          <a:bodyPr rtlCol="0" anchor="ctr"/>
-          <a:lstStyle/>
-          <a:p>
-            <a:pPr marL="0" marR="0" lvl="0" indent="0" algn="ctr" defTabSz="914400" rtl="0" eaLnBrk="1" fontAlgn="auto" latinLnBrk="0" hangingPunct="1">
-              <a:lnSpc>
-                <a:spcPct val="100000"/>
-              </a:lnSpc>
-              <a:spcBef>
-                <a:spcPts val="0"/>
-              </a:spcBef>
-              <a:spcAft>
-                <a:spcPts val="0"/>
-              </a:spcAft>
-              <a:buClrTx/>
-              <a:buSzTx/>
-              <a:buFontTx/>
-              <a:buNone/>
-              <a:tabLst/>
-              <a:defRPr/>
-            </a:pPr>
-            <a:endParaRPr kumimoji="0" lang="en-US" sz="1800" b="0" i="0" u="none" strike="noStrike" kern="1200" cap="none" spc="0" normalizeH="0" baseline="0" noProof="0">
-              <a:ln>
-                <a:noFill/>
-              </a:ln>
-              <a:solidFill>
-                <a:prstClr val="white"/>
-              </a:solidFill>
-              <a:effectLst/>
-              <a:uLnTx/>
-              <a:uFillTx/>
-              <a:latin typeface="Bierstadt"/>
-              <a:ea typeface="+mn-ea"/>
-              <a:cs typeface="+mn-cs"/>
-            </a:endParaRPr>
-          </a:p>
-        </p:txBody>
-      </p:sp>
-      <p:sp>
-        <p:nvSpPr>
-          <p:cNvPr id="2" name="Titel 1">
-            <a:extLst>
-              <a:ext uri="{FF2B5EF4-FFF2-40B4-BE49-F238E27FC236}">
-                <a16:creationId xmlns:a16="http://schemas.microsoft.com/office/drawing/2014/main" id="{F69CE1FA-25FE-7366-D05A-7F36C3024619}"/>
-              </a:ext>
-            </a:extLst>
-          </p:cNvPr>
-          <p:cNvSpPr>
-            <a:spLocks noGrp="1"/>
-          </p:cNvSpPr>
-          <p:nvPr>
-            <p:ph type="ctrTitle"/>
-          </p:nvPr>
-        </p:nvSpPr>
-        <p:spPr>
-          <a:xfrm>
-            <a:off x="521207" y="1211766"/>
-            <a:ext cx="10190336" cy="4727988"/>
-          </a:xfrm>
-        </p:spPr>
-        <p:txBody>
-          <a:bodyPr anchor="b">
-            <a:normAutofit/>
-          </a:bodyPr>
-          <a:lstStyle/>
-          <a:p>
-            <a:r>
-              <a:rPr lang="de-DE" sz="7400" dirty="0"/>
-              <a:t>7. </a:t>
-            </a:r>
-            <a:r>
-              <a:rPr lang="de-DE" dirty="0"/>
-              <a:t>Ressourceneinsatz</a:t>
-            </a:r>
-            <a:endParaRPr lang="de-DE" sz="7400" dirty="0"/>
-          </a:p>
-        </p:txBody>
-      </p:sp>
-      <p:sp>
-        <p:nvSpPr>
-          <p:cNvPr id="9" name="Freeform: Shape 8">
-            <a:extLst>
-              <a:ext uri="{FF2B5EF4-FFF2-40B4-BE49-F238E27FC236}">
-                <a16:creationId xmlns:a16="http://schemas.microsoft.com/office/drawing/2014/main" id="{ED2DB289-0CB1-E725-B366-AE248A285E7B}"/>
-              </a:ext>
-              <a:ext uri="{C183D7F6-B498-43B3-948B-1728B52AA6E4}">
-                <adec:decorative xmlns:adec="http://schemas.microsoft.com/office/drawing/2017/decorative" val="1"/>
-              </a:ext>
-            </a:extLst>
-          </p:cNvPr>
-          <p:cNvSpPr>
-            <a:spLocks noGrp="1" noRot="1" noChangeAspect="1" noMove="1" noResize="1" noEditPoints="1" noAdjustHandles="1" noChangeArrowheads="1" noChangeShapeType="1" noTextEdit="1"/>
-          </p:cNvSpPr>
-          <p:nvPr>
-            <p:extLst>
-              <p:ext uri="{386F3935-93C4-4BCD-93E2-E3B085C9AB24}">
-                <p16:designElem xmlns:p16="http://schemas.microsoft.com/office/powerpoint/2015/main" val="1"/>
-              </p:ext>
-            </p:extLst>
-          </p:nvPr>
-        </p:nvSpPr>
-        <p:spPr>
-          <a:xfrm>
-            <a:off x="517869" y="6208776"/>
-            <a:ext cx="7269480" cy="149279"/>
-          </a:xfrm>
-          <a:custGeom>
-            <a:avLst/>
-            <a:gdLst>
-              <a:gd name="connsiteX0" fmla="*/ 0 w 8085002"/>
-              <a:gd name="connsiteY0" fmla="*/ 0 h 149279"/>
-              <a:gd name="connsiteX1" fmla="*/ 8085002 w 8085002"/>
-              <a:gd name="connsiteY1" fmla="*/ 0 h 149279"/>
-              <a:gd name="connsiteX2" fmla="*/ 8085002 w 8085002"/>
-              <a:gd name="connsiteY2" fmla="*/ 149279 h 149279"/>
-              <a:gd name="connsiteX3" fmla="*/ 0 w 8085002"/>
-              <a:gd name="connsiteY3" fmla="*/ 149279 h 149279"/>
-            </a:gdLst>
-            <a:ahLst/>
-            <a:cxnLst>
-              <a:cxn ang="0">
-                <a:pos x="connsiteX0" y="connsiteY0"/>
-              </a:cxn>
-              <a:cxn ang="0">
-                <a:pos x="connsiteX1" y="connsiteY1"/>
-              </a:cxn>
-              <a:cxn ang="0">
-                <a:pos x="connsiteX2" y="connsiteY2"/>
-              </a:cxn>
-              <a:cxn ang="0">
-                <a:pos x="connsiteX3" y="connsiteY3"/>
-              </a:cxn>
-            </a:cxnLst>
-            <a:rect l="l" t="t" r="r" b="b"/>
-            <a:pathLst>
-              <a:path w="8085002" h="149279">
-                <a:moveTo>
-                  <a:pt x="0" y="0"/>
-                </a:moveTo>
-                <a:lnTo>
-                  <a:pt x="8085002" y="0"/>
-                </a:lnTo>
-                <a:lnTo>
-                  <a:pt x="8085002" y="149279"/>
-                </a:lnTo>
-                <a:lnTo>
-                  <a:pt x="0" y="149279"/>
-                </a:lnTo>
-                <a:close/>
-              </a:path>
-            </a:pathLst>
-          </a:custGeom>
-          <a:solidFill>
-            <a:schemeClr val="tx1"/>
-          </a:solidFill>
-          <a:ln>
-            <a:noFill/>
-          </a:ln>
-        </p:spPr>
-        <p:style>
-          <a:lnRef idx="2">
-            <a:schemeClr val="accent1">
-              <a:shade val="50000"/>
-            </a:schemeClr>
-          </a:lnRef>
-          <a:fillRef idx="1">
-            <a:schemeClr val="accent1"/>
-          </a:fillRef>
-          <a:effectRef idx="0">
-            <a:schemeClr val="accent1"/>
-          </a:effectRef>
-          <a:fontRef idx="minor">
-            <a:schemeClr val="lt1"/>
-          </a:fontRef>
-        </p:style>
-        <p:txBody>
-          <a:bodyPr wrap="square" rtlCol="0" anchor="ctr">
-            <a:noAutofit/>
-          </a:bodyPr>
-          <a:lstStyle/>
-          <a:p>
-            <a:pPr marL="0" marR="0" lvl="0" indent="0" algn="ctr" defTabSz="914400" rtl="0" eaLnBrk="1" fontAlgn="auto" latinLnBrk="0" hangingPunct="1">
-              <a:lnSpc>
-                <a:spcPct val="100000"/>
-              </a:lnSpc>
-              <a:spcBef>
-                <a:spcPts val="0"/>
-              </a:spcBef>
-              <a:spcAft>
-                <a:spcPts val="0"/>
-              </a:spcAft>
-              <a:buClrTx/>
-              <a:buSzTx/>
-              <a:buFontTx/>
-              <a:buNone/>
-              <a:tabLst/>
-              <a:defRPr/>
-            </a:pPr>
-            <a:endParaRPr kumimoji="0" lang="en-US" sz="1800" b="0" i="0" u="none" strike="noStrike" kern="1200" cap="none" spc="0" normalizeH="0" baseline="0" noProof="0">
-              <a:ln>
-                <a:noFill/>
-              </a:ln>
-              <a:solidFill>
-                <a:prstClr val="white"/>
-              </a:solidFill>
-              <a:effectLst/>
-              <a:uLnTx/>
-              <a:uFillTx/>
-              <a:latin typeface="Bierstadt"/>
-              <a:ea typeface="+mn-ea"/>
-              <a:cs typeface="+mn-cs"/>
-            </a:endParaRPr>
-          </a:p>
-        </p:txBody>
-      </p:sp>
-    </p:spTree>
-    <p:extLst>
-      <p:ext uri="{BB962C8B-B14F-4D97-AF65-F5344CB8AC3E}">
-        <p14:creationId xmlns:p14="http://schemas.microsoft.com/office/powerpoint/2010/main" val="2651887758"/>
       </p:ext>
     </p:extLst>
   </p:cSld>
@@ -12224,6 +11800,692 @@
         <p:cNvPr id="1" name="">
           <a:extLst>
             <a:ext uri="{FF2B5EF4-FFF2-40B4-BE49-F238E27FC236}">
+              <a16:creationId xmlns:a16="http://schemas.microsoft.com/office/drawing/2014/main" id="{3414FD77-D073-AE92-4528-ABE7433623C2}"/>
+            </a:ext>
+          </a:extLst>
+        </p:cNvPr>
+        <p:cNvGrpSpPr/>
+        <p:nvPr/>
+      </p:nvGrpSpPr>
+      <p:grpSpPr>
+        <a:xfrm>
+          <a:off x="0" y="0"/>
+          <a:ext cx="0" cy="0"/>
+          <a:chOff x="0" y="0"/>
+          <a:chExt cx="0" cy="0"/>
+        </a:xfrm>
+      </p:grpSpPr>
+      <p:sp>
+        <p:nvSpPr>
+          <p:cNvPr id="2" name="Titel 1">
+            <a:extLst>
+              <a:ext uri="{FF2B5EF4-FFF2-40B4-BE49-F238E27FC236}">
+                <a16:creationId xmlns:a16="http://schemas.microsoft.com/office/drawing/2014/main" id="{95351D7D-772A-9EBE-DB67-D2C2A4477FAF}"/>
+              </a:ext>
+            </a:extLst>
+          </p:cNvPr>
+          <p:cNvSpPr>
+            <a:spLocks noGrp="1"/>
+          </p:cNvSpPr>
+          <p:nvPr>
+            <p:ph type="title"/>
+          </p:nvPr>
+        </p:nvSpPr>
+        <p:spPr/>
+        <p:txBody>
+          <a:bodyPr/>
+          <a:lstStyle/>
+          <a:p>
+            <a:r>
+              <a:rPr lang="de-DE" dirty="0"/>
+              <a:t>6.1 Risiken &amp; Herausforderungen</a:t>
+            </a:r>
+          </a:p>
+        </p:txBody>
+      </p:sp>
+      <p:sp>
+        <p:nvSpPr>
+          <p:cNvPr id="3" name="Inhaltsplatzhalter 2">
+            <a:extLst>
+              <a:ext uri="{FF2B5EF4-FFF2-40B4-BE49-F238E27FC236}">
+                <a16:creationId xmlns:a16="http://schemas.microsoft.com/office/drawing/2014/main" id="{90FA0EDE-DACC-220A-25D8-B5614E1A88E3}"/>
+              </a:ext>
+            </a:extLst>
+          </p:cNvPr>
+          <p:cNvSpPr>
+            <a:spLocks noGrp="1"/>
+          </p:cNvSpPr>
+          <p:nvPr>
+            <p:ph idx="1"/>
+          </p:nvPr>
+        </p:nvSpPr>
+        <p:spPr/>
+        <p:txBody>
+          <a:bodyPr>
+            <a:normAutofit/>
+          </a:bodyPr>
+          <a:lstStyle/>
+          <a:p>
+            <a:r>
+              <a:rPr lang="de-DE" b="1" dirty="0"/>
+              <a:t>Grenzen der Bewertungslogik </a:t>
+            </a:r>
+            <a:r>
+              <a:rPr lang="de-DE" dirty="0"/>
+              <a:t>→ Kleine Diebstähle könnten systematisch „übersehen“ werden</a:t>
+            </a:r>
+          </a:p>
+          <a:p>
+            <a:endParaRPr lang="de-DE" dirty="0"/>
+          </a:p>
+          <a:p>
+            <a:r>
+              <a:rPr lang="de-DE" b="1" dirty="0"/>
+              <a:t>Wenig gelabelte Daten </a:t>
+            </a:r>
+            <a:r>
+              <a:rPr lang="de-DE" dirty="0"/>
+              <a:t>(≈ 3 %) → Gefahr eingeschränkter Modellgeneralisation, v. a. bei komplexen Methoden</a:t>
+            </a:r>
+          </a:p>
+          <a:p>
+            <a:endParaRPr lang="de-DE" dirty="0"/>
+          </a:p>
+          <a:p>
+            <a:r>
+              <a:rPr lang="de-DE" b="1" dirty="0"/>
+              <a:t>Übertragbarkeit auf andere Filialen fraglich </a:t>
+            </a:r>
+            <a:r>
+              <a:rPr lang="de-DE" dirty="0"/>
+              <a:t>→ Unterschiedliche Technik &amp; Kundenverhalten</a:t>
+            </a:r>
+          </a:p>
+          <a:p>
+            <a:endParaRPr lang="de-DE" dirty="0"/>
+          </a:p>
+          <a:p>
+            <a:r>
+              <a:rPr lang="de-DE" b="1" dirty="0"/>
+              <a:t>Stark unausgewogene Häufigkeiten </a:t>
+            </a:r>
+            <a:r>
+              <a:rPr lang="de-DE" dirty="0"/>
+              <a:t>zwischen fehlerhaften und nicht fehlerhaften Transaktionen</a:t>
+            </a:r>
+            <a:br>
+              <a:rPr lang="de-DE" b="1" dirty="0"/>
+            </a:br>
+            <a:r>
+              <a:rPr lang="de-DE" b="1" dirty="0"/>
+              <a:t> </a:t>
+            </a:r>
+            <a:r>
+              <a:rPr lang="de-DE" dirty="0"/>
+              <a:t>→ Erschwert Training und Modellleistung</a:t>
+            </a:r>
+          </a:p>
+          <a:p>
+            <a:endParaRPr lang="de-DE" dirty="0"/>
+          </a:p>
+        </p:txBody>
+      </p:sp>
+    </p:spTree>
+    <p:extLst>
+      <p:ext uri="{BB962C8B-B14F-4D97-AF65-F5344CB8AC3E}">
+        <p14:creationId xmlns:p14="http://schemas.microsoft.com/office/powerpoint/2010/main" val="2355734047"/>
+      </p:ext>
+    </p:extLst>
+  </p:cSld>
+  <p:clrMapOvr>
+    <a:masterClrMapping/>
+  </p:clrMapOvr>
+</p:sld>
+</file>
+
+<file path=ppt/slides/slide32.xml><?xml version="1.0" encoding="utf-8"?>
+<p:sld xmlns:a="http://schemas.openxmlformats.org/drawingml/2006/main" xmlns:r="http://schemas.openxmlformats.org/officeDocument/2006/relationships" xmlns:p="http://schemas.openxmlformats.org/presentationml/2006/main">
+  <p:cSld>
+    <p:spTree>
+      <p:nvGrpSpPr>
+        <p:cNvPr id="1" name="">
+          <a:extLst>
+            <a:ext uri="{FF2B5EF4-FFF2-40B4-BE49-F238E27FC236}">
+              <a16:creationId xmlns:a16="http://schemas.microsoft.com/office/drawing/2014/main" id="{4170724C-E2CE-47AA-44E7-8BE93ED6F2A0}"/>
+            </a:ext>
+          </a:extLst>
+        </p:cNvPr>
+        <p:cNvGrpSpPr/>
+        <p:nvPr/>
+      </p:nvGrpSpPr>
+      <p:grpSpPr>
+        <a:xfrm>
+          <a:off x="0" y="0"/>
+          <a:ext cx="0" cy="0"/>
+          <a:chOff x="0" y="0"/>
+          <a:chExt cx="0" cy="0"/>
+        </a:xfrm>
+      </p:grpSpPr>
+      <p:sp>
+        <p:nvSpPr>
+          <p:cNvPr id="2" name="Titel 1">
+            <a:extLst>
+              <a:ext uri="{FF2B5EF4-FFF2-40B4-BE49-F238E27FC236}">
+                <a16:creationId xmlns:a16="http://schemas.microsoft.com/office/drawing/2014/main" id="{C1F2A257-F044-539A-8429-013D664E0E6B}"/>
+              </a:ext>
+            </a:extLst>
+          </p:cNvPr>
+          <p:cNvSpPr>
+            <a:spLocks noGrp="1"/>
+          </p:cNvSpPr>
+          <p:nvPr>
+            <p:ph type="title"/>
+          </p:nvPr>
+        </p:nvSpPr>
+        <p:spPr/>
+        <p:txBody>
+          <a:bodyPr/>
+          <a:lstStyle/>
+          <a:p>
+            <a:r>
+              <a:rPr lang="de-DE" dirty="0"/>
+              <a:t>6.1 Risiken &amp; Herausforderungen</a:t>
+            </a:r>
+          </a:p>
+        </p:txBody>
+      </p:sp>
+      <p:sp>
+        <p:nvSpPr>
+          <p:cNvPr id="3" name="Inhaltsplatzhalter 2">
+            <a:extLst>
+              <a:ext uri="{FF2B5EF4-FFF2-40B4-BE49-F238E27FC236}">
+                <a16:creationId xmlns:a16="http://schemas.microsoft.com/office/drawing/2014/main" id="{C5ECB6A6-0121-DFC1-55AF-B397A1C45BC0}"/>
+              </a:ext>
+            </a:extLst>
+          </p:cNvPr>
+          <p:cNvSpPr>
+            <a:spLocks noGrp="1"/>
+          </p:cNvSpPr>
+          <p:nvPr>
+            <p:ph idx="1"/>
+          </p:nvPr>
+        </p:nvSpPr>
+        <p:spPr/>
+        <p:txBody>
+          <a:bodyPr>
+            <a:normAutofit/>
+          </a:bodyPr>
+          <a:lstStyle/>
+          <a:p>
+            <a:r>
+              <a:rPr lang="de-DE" b="1" dirty="0"/>
+              <a:t>Modellverständlichkeit</a:t>
+            </a:r>
+            <a:r>
+              <a:rPr lang="de-DE" dirty="0"/>
+              <a:t> → Komplexe Modelle könnten im Alltag schwer vermittelbar sein</a:t>
+            </a:r>
+          </a:p>
+          <a:p>
+            <a:endParaRPr lang="de-DE" dirty="0"/>
+          </a:p>
+          <a:p>
+            <a:r>
+              <a:rPr lang="de-DE" b="1" dirty="0"/>
+              <a:t>Fehlendes Data Dictionary </a:t>
+            </a:r>
+            <a:r>
+              <a:rPr lang="de-DE" dirty="0"/>
+              <a:t>→ Risiko fehlerhafter Interpretation einzelner Variablen</a:t>
+            </a:r>
+          </a:p>
+          <a:p>
+            <a:endParaRPr lang="de-DE" dirty="0"/>
+          </a:p>
+          <a:p>
+            <a:r>
+              <a:rPr lang="de-DE" b="1" dirty="0"/>
+              <a:t>Rechtliche &amp; externe Vorgaben </a:t>
+            </a:r>
+            <a:r>
+              <a:rPr lang="de-DE" dirty="0"/>
+              <a:t>→ Datenschutz &amp; juristische Rahmenbedingungen nicht Teil des Projekts</a:t>
+            </a:r>
+          </a:p>
+          <a:p>
+            <a:endParaRPr lang="de-DE" dirty="0"/>
+          </a:p>
+        </p:txBody>
+      </p:sp>
+    </p:spTree>
+    <p:extLst>
+      <p:ext uri="{BB962C8B-B14F-4D97-AF65-F5344CB8AC3E}">
+        <p14:creationId xmlns:p14="http://schemas.microsoft.com/office/powerpoint/2010/main" val="3017336154"/>
+      </p:ext>
+    </p:extLst>
+  </p:cSld>
+  <p:clrMapOvr>
+    <a:masterClrMapping/>
+  </p:clrMapOvr>
+</p:sld>
+</file>
+
+<file path=ppt/slides/slide33.xml><?xml version="1.0" encoding="utf-8"?>
+<p:sld xmlns:a="http://schemas.openxmlformats.org/drawingml/2006/main" xmlns:r="http://schemas.openxmlformats.org/officeDocument/2006/relationships" xmlns:p="http://schemas.openxmlformats.org/presentationml/2006/main">
+  <p:cSld>
+    <p:bg>
+      <p:bgPr>
+        <a:solidFill>
+          <a:schemeClr val="bg1"/>
+        </a:solidFill>
+        <a:effectLst/>
+      </p:bgPr>
+    </p:bg>
+    <p:spTree>
+      <p:nvGrpSpPr>
+        <p:cNvPr id="1" name="">
+          <a:extLst>
+            <a:ext uri="{FF2B5EF4-FFF2-40B4-BE49-F238E27FC236}">
+              <a16:creationId xmlns:a16="http://schemas.microsoft.com/office/drawing/2014/main" id="{71B5BEA1-1CC3-6086-DAD5-7D1FEFF03B88}"/>
+            </a:ext>
+          </a:extLst>
+        </p:cNvPr>
+        <p:cNvGrpSpPr/>
+        <p:nvPr/>
+      </p:nvGrpSpPr>
+      <p:grpSpPr>
+        <a:xfrm>
+          <a:off x="0" y="0"/>
+          <a:ext cx="0" cy="0"/>
+          <a:chOff x="0" y="0"/>
+          <a:chExt cx="0" cy="0"/>
+        </a:xfrm>
+      </p:grpSpPr>
+      <p:sp useBgFill="1">
+        <p:nvSpPr>
+          <p:cNvPr id="7" name="Rectangle 6">
+            <a:extLst>
+              <a:ext uri="{FF2B5EF4-FFF2-40B4-BE49-F238E27FC236}">
+                <a16:creationId xmlns:a16="http://schemas.microsoft.com/office/drawing/2014/main" id="{A3017DF1-584E-85FD-5E3C-735BD83C7809}"/>
+              </a:ext>
+              <a:ext uri="{C183D7F6-B498-43B3-948B-1728B52AA6E4}">
+                <adec:decorative xmlns:adec="http://schemas.microsoft.com/office/drawing/2017/decorative" val="1"/>
+              </a:ext>
+            </a:extLst>
+          </p:cNvPr>
+          <p:cNvSpPr>
+            <a:spLocks noGrp="1" noRot="1" noChangeAspect="1" noMove="1" noResize="1" noEditPoints="1" noAdjustHandles="1" noChangeArrowheads="1" noChangeShapeType="1" noTextEdit="1"/>
+          </p:cNvSpPr>
+          <p:nvPr>
+            <p:extLst>
+              <p:ext uri="{386F3935-93C4-4BCD-93E2-E3B085C9AB24}">
+                <p16:designElem xmlns:p16="http://schemas.microsoft.com/office/powerpoint/2015/main" val="1"/>
+              </p:ext>
+            </p:extLst>
+          </p:nvPr>
+        </p:nvSpPr>
+        <p:spPr>
+          <a:xfrm>
+            <a:off x="0" y="0"/>
+            <a:ext cx="12192000" cy="6858000"/>
+          </a:xfrm>
+          <a:prstGeom prst="rect">
+            <a:avLst/>
+          </a:prstGeom>
+          <a:ln w="12700" cap="flat" cmpd="sng" algn="ctr">
+            <a:noFill/>
+            <a:prstDash val="solid"/>
+            <a:miter lim="800000"/>
+          </a:ln>
+          <a:effectLst/>
+        </p:spPr>
+        <p:style>
+          <a:lnRef idx="2">
+            <a:schemeClr val="accent1">
+              <a:shade val="15000"/>
+            </a:schemeClr>
+          </a:lnRef>
+          <a:fillRef idx="1">
+            <a:schemeClr val="accent1"/>
+          </a:fillRef>
+          <a:effectRef idx="0">
+            <a:schemeClr val="accent1"/>
+          </a:effectRef>
+          <a:fontRef idx="minor">
+            <a:schemeClr val="lt1"/>
+          </a:fontRef>
+        </p:style>
+        <p:txBody>
+          <a:bodyPr rtlCol="0" anchor="ctr"/>
+          <a:lstStyle/>
+          <a:p>
+            <a:pPr marL="0" marR="0" lvl="0" indent="0" algn="ctr" defTabSz="914400" rtl="0" eaLnBrk="1" fontAlgn="auto" latinLnBrk="0" hangingPunct="1">
+              <a:lnSpc>
+                <a:spcPct val="100000"/>
+              </a:lnSpc>
+              <a:spcBef>
+                <a:spcPts val="0"/>
+              </a:spcBef>
+              <a:spcAft>
+                <a:spcPts val="0"/>
+              </a:spcAft>
+              <a:buClrTx/>
+              <a:buSzTx/>
+              <a:buFontTx/>
+              <a:buNone/>
+              <a:tabLst/>
+              <a:defRPr/>
+            </a:pPr>
+            <a:endParaRPr kumimoji="0" lang="en-US" sz="1800" b="0" i="0" u="none" strike="noStrike" kern="1200" cap="none" spc="0" normalizeH="0" baseline="0" noProof="0">
+              <a:ln>
+                <a:noFill/>
+              </a:ln>
+              <a:solidFill>
+                <a:prstClr val="white"/>
+              </a:solidFill>
+              <a:effectLst/>
+              <a:uLnTx/>
+              <a:uFillTx/>
+              <a:latin typeface="Bierstadt"/>
+              <a:ea typeface="+mn-ea"/>
+              <a:cs typeface="+mn-cs"/>
+            </a:endParaRPr>
+          </a:p>
+        </p:txBody>
+      </p:sp>
+      <p:sp>
+        <p:nvSpPr>
+          <p:cNvPr id="2" name="Titel 1">
+            <a:extLst>
+              <a:ext uri="{FF2B5EF4-FFF2-40B4-BE49-F238E27FC236}">
+                <a16:creationId xmlns:a16="http://schemas.microsoft.com/office/drawing/2014/main" id="{F69CE1FA-25FE-7366-D05A-7F36C3024619}"/>
+              </a:ext>
+            </a:extLst>
+          </p:cNvPr>
+          <p:cNvSpPr>
+            <a:spLocks noGrp="1"/>
+          </p:cNvSpPr>
+          <p:nvPr>
+            <p:ph type="ctrTitle"/>
+          </p:nvPr>
+        </p:nvSpPr>
+        <p:spPr>
+          <a:xfrm>
+            <a:off x="521207" y="1211766"/>
+            <a:ext cx="10190336" cy="4727988"/>
+          </a:xfrm>
+        </p:spPr>
+        <p:txBody>
+          <a:bodyPr anchor="b">
+            <a:normAutofit/>
+          </a:bodyPr>
+          <a:lstStyle/>
+          <a:p>
+            <a:r>
+              <a:rPr lang="de-DE" sz="7400" dirty="0"/>
+              <a:t>7. </a:t>
+            </a:r>
+            <a:r>
+              <a:rPr lang="de-DE" dirty="0"/>
+              <a:t>Ressourceneinsatz</a:t>
+            </a:r>
+            <a:endParaRPr lang="de-DE" sz="7400" dirty="0"/>
+          </a:p>
+        </p:txBody>
+      </p:sp>
+      <p:sp>
+        <p:nvSpPr>
+          <p:cNvPr id="9" name="Freeform: Shape 8">
+            <a:extLst>
+              <a:ext uri="{FF2B5EF4-FFF2-40B4-BE49-F238E27FC236}">
+                <a16:creationId xmlns:a16="http://schemas.microsoft.com/office/drawing/2014/main" id="{ED2DB289-0CB1-E725-B366-AE248A285E7B}"/>
+              </a:ext>
+              <a:ext uri="{C183D7F6-B498-43B3-948B-1728B52AA6E4}">
+                <adec:decorative xmlns:adec="http://schemas.microsoft.com/office/drawing/2017/decorative" val="1"/>
+              </a:ext>
+            </a:extLst>
+          </p:cNvPr>
+          <p:cNvSpPr>
+            <a:spLocks noGrp="1" noRot="1" noChangeAspect="1" noMove="1" noResize="1" noEditPoints="1" noAdjustHandles="1" noChangeArrowheads="1" noChangeShapeType="1" noTextEdit="1"/>
+          </p:cNvSpPr>
+          <p:nvPr>
+            <p:extLst>
+              <p:ext uri="{386F3935-93C4-4BCD-93E2-E3B085C9AB24}">
+                <p16:designElem xmlns:p16="http://schemas.microsoft.com/office/powerpoint/2015/main" val="1"/>
+              </p:ext>
+            </p:extLst>
+          </p:nvPr>
+        </p:nvSpPr>
+        <p:spPr>
+          <a:xfrm>
+            <a:off x="517869" y="6208776"/>
+            <a:ext cx="7269480" cy="149279"/>
+          </a:xfrm>
+          <a:custGeom>
+            <a:avLst/>
+            <a:gdLst>
+              <a:gd name="connsiteX0" fmla="*/ 0 w 8085002"/>
+              <a:gd name="connsiteY0" fmla="*/ 0 h 149279"/>
+              <a:gd name="connsiteX1" fmla="*/ 8085002 w 8085002"/>
+              <a:gd name="connsiteY1" fmla="*/ 0 h 149279"/>
+              <a:gd name="connsiteX2" fmla="*/ 8085002 w 8085002"/>
+              <a:gd name="connsiteY2" fmla="*/ 149279 h 149279"/>
+              <a:gd name="connsiteX3" fmla="*/ 0 w 8085002"/>
+              <a:gd name="connsiteY3" fmla="*/ 149279 h 149279"/>
+            </a:gdLst>
+            <a:ahLst/>
+            <a:cxnLst>
+              <a:cxn ang="0">
+                <a:pos x="connsiteX0" y="connsiteY0"/>
+              </a:cxn>
+              <a:cxn ang="0">
+                <a:pos x="connsiteX1" y="connsiteY1"/>
+              </a:cxn>
+              <a:cxn ang="0">
+                <a:pos x="connsiteX2" y="connsiteY2"/>
+              </a:cxn>
+              <a:cxn ang="0">
+                <a:pos x="connsiteX3" y="connsiteY3"/>
+              </a:cxn>
+            </a:cxnLst>
+            <a:rect l="l" t="t" r="r" b="b"/>
+            <a:pathLst>
+              <a:path w="8085002" h="149279">
+                <a:moveTo>
+                  <a:pt x="0" y="0"/>
+                </a:moveTo>
+                <a:lnTo>
+                  <a:pt x="8085002" y="0"/>
+                </a:lnTo>
+                <a:lnTo>
+                  <a:pt x="8085002" y="149279"/>
+                </a:lnTo>
+                <a:lnTo>
+                  <a:pt x="0" y="149279"/>
+                </a:lnTo>
+                <a:close/>
+              </a:path>
+            </a:pathLst>
+          </a:custGeom>
+          <a:solidFill>
+            <a:schemeClr val="tx1"/>
+          </a:solidFill>
+          <a:ln>
+            <a:noFill/>
+          </a:ln>
+        </p:spPr>
+        <p:style>
+          <a:lnRef idx="2">
+            <a:schemeClr val="accent1">
+              <a:shade val="50000"/>
+            </a:schemeClr>
+          </a:lnRef>
+          <a:fillRef idx="1">
+            <a:schemeClr val="accent1"/>
+          </a:fillRef>
+          <a:effectRef idx="0">
+            <a:schemeClr val="accent1"/>
+          </a:effectRef>
+          <a:fontRef idx="minor">
+            <a:schemeClr val="lt1"/>
+          </a:fontRef>
+        </p:style>
+        <p:txBody>
+          <a:bodyPr wrap="square" rtlCol="0" anchor="ctr">
+            <a:noAutofit/>
+          </a:bodyPr>
+          <a:lstStyle/>
+          <a:p>
+            <a:pPr marL="0" marR="0" lvl="0" indent="0" algn="ctr" defTabSz="914400" rtl="0" eaLnBrk="1" fontAlgn="auto" latinLnBrk="0" hangingPunct="1">
+              <a:lnSpc>
+                <a:spcPct val="100000"/>
+              </a:lnSpc>
+              <a:spcBef>
+                <a:spcPts val="0"/>
+              </a:spcBef>
+              <a:spcAft>
+                <a:spcPts val="0"/>
+              </a:spcAft>
+              <a:buClrTx/>
+              <a:buSzTx/>
+              <a:buFontTx/>
+              <a:buNone/>
+              <a:tabLst/>
+              <a:defRPr/>
+            </a:pPr>
+            <a:endParaRPr kumimoji="0" lang="en-US" sz="1800" b="0" i="0" u="none" strike="noStrike" kern="1200" cap="none" spc="0" normalizeH="0" baseline="0" noProof="0">
+              <a:ln>
+                <a:noFill/>
+              </a:ln>
+              <a:solidFill>
+                <a:prstClr val="white"/>
+              </a:solidFill>
+              <a:effectLst/>
+              <a:uLnTx/>
+              <a:uFillTx/>
+              <a:latin typeface="Bierstadt"/>
+              <a:ea typeface="+mn-ea"/>
+              <a:cs typeface="+mn-cs"/>
+            </a:endParaRPr>
+          </a:p>
+        </p:txBody>
+      </p:sp>
+    </p:spTree>
+    <p:extLst>
+      <p:ext uri="{BB962C8B-B14F-4D97-AF65-F5344CB8AC3E}">
+        <p14:creationId xmlns:p14="http://schemas.microsoft.com/office/powerpoint/2010/main" val="2651887758"/>
+      </p:ext>
+    </p:extLst>
+  </p:cSld>
+  <p:clrMapOvr>
+    <a:overrideClrMapping bg1="dk1" tx1="lt1" bg2="dk2" tx2="lt2" accent1="accent1" accent2="accent2" accent3="accent3" accent4="accent4" accent5="accent5" accent6="accent6" hlink="hlink" folHlink="folHlink"/>
+  </p:clrMapOvr>
+  <p:transition>
+    <p:fade/>
+  </p:transition>
+  <p:timing>
+    <p:tnLst>
+      <p:par>
+        <p:cTn id="1" dur="indefinite" restart="never" nodeType="tmRoot">
+          <p:childTnLst>
+            <p:seq concurrent="1" nextAc="seek">
+              <p:cTn id="2" dur="indefinite" nodeType="mainSeq">
+                <p:childTnLst>
+                  <p:par>
+                    <p:cTn id="3" fill="hold">
+                      <p:stCondLst>
+                        <p:cond delay="indefinite"/>
+                        <p:cond evt="onBegin" delay="0">
+                          <p:tn val="2"/>
+                        </p:cond>
+                      </p:stCondLst>
+                      <p:childTnLst>
+                        <p:par>
+                          <p:cTn id="4" fill="hold">
+                            <p:stCondLst>
+                              <p:cond delay="0"/>
+                            </p:stCondLst>
+                            <p:childTnLst>
+                              <p:par>
+                                <p:cTn id="5" presetID="10" presetClass="entr" presetSubtype="0" fill="hold" grpId="0" nodeType="withEffect">
+                                  <p:stCondLst>
+                                    <p:cond delay="500"/>
+                                  </p:stCondLst>
+                                  <p:iterate>
+                                    <p:tmPct val="10000"/>
+                                  </p:iterate>
+                                  <p:childTnLst>
+                                    <p:set>
+                                      <p:cBhvr>
+                                        <p:cTn id="6" dur="1" fill="hold">
+                                          <p:stCondLst>
+                                            <p:cond delay="0"/>
+                                          </p:stCondLst>
+                                        </p:cTn>
+                                        <p:tgtEl>
+                                          <p:spTgt spid="2"/>
+                                        </p:tgtEl>
+                                        <p:attrNameLst>
+                                          <p:attrName>style.visibility</p:attrName>
+                                        </p:attrNameLst>
+                                      </p:cBhvr>
+                                      <p:to>
+                                        <p:strVal val="visible"/>
+                                      </p:to>
+                                    </p:set>
+                                    <p:animEffect transition="in" filter="fade">
+                                      <p:cBhvr>
+                                        <p:cTn id="7" dur="700"/>
+                                        <p:tgtEl>
+                                          <p:spTgt spid="2"/>
+                                        </p:tgtEl>
+                                      </p:cBhvr>
+                                    </p:animEffect>
+                                  </p:childTnLst>
+                                </p:cTn>
+                              </p:par>
+                            </p:childTnLst>
+                          </p:cTn>
+                        </p:par>
+                      </p:childTnLst>
+                    </p:cTn>
+                  </p:par>
+                </p:childTnLst>
+              </p:cTn>
+              <p:prevCondLst>
+                <p:cond evt="onPrev" delay="0">
+                  <p:tgtEl>
+                    <p:sldTgt/>
+                  </p:tgtEl>
+                </p:cond>
+              </p:prevCondLst>
+              <p:nextCondLst>
+                <p:cond evt="onNext" delay="0">
+                  <p:tgtEl>
+                    <p:sldTgt/>
+                  </p:tgtEl>
+                </p:cond>
+              </p:nextCondLst>
+            </p:seq>
+          </p:childTnLst>
+        </p:cTn>
+      </p:par>
+    </p:tnLst>
+    <p:bldLst>
+      <p:bldP spid="2" grpId="0"/>
+    </p:bldLst>
+  </p:timing>
+</p:sld>
+</file>
+
+<file path=ppt/slides/slide34.xml><?xml version="1.0" encoding="utf-8"?>
+<p:sld xmlns:a="http://schemas.openxmlformats.org/drawingml/2006/main" xmlns:r="http://schemas.openxmlformats.org/officeDocument/2006/relationships" xmlns:p="http://schemas.openxmlformats.org/presentationml/2006/main">
+  <p:cSld>
+    <p:spTree>
+      <p:nvGrpSpPr>
+        <p:cNvPr id="1" name="">
+          <a:extLst>
+            <a:ext uri="{FF2B5EF4-FFF2-40B4-BE49-F238E27FC236}">
               <a16:creationId xmlns:a16="http://schemas.microsoft.com/office/drawing/2014/main" id="{57A8BEF4-842B-F987-667F-EA4E3DBF730A}"/>
             </a:ext>
           </a:extLst>
@@ -12340,7 +12602,7 @@
 </p:sld>
 </file>
 
-<file path=ppt/slides/slide32.xml><?xml version="1.0" encoding="utf-8"?>
+<file path=ppt/slides/slide35.xml><?xml version="1.0" encoding="utf-8"?>
 <p:sld xmlns:a="http://schemas.openxmlformats.org/drawingml/2006/main" xmlns:r="http://schemas.openxmlformats.org/officeDocument/2006/relationships" xmlns:p="http://schemas.openxmlformats.org/presentationml/2006/main">
   <p:cSld>
     <p:bg>
@@ -12748,7 +13010,7 @@
 </p:sld>
 </file>
 
-<file path=ppt/slides/slide33.xml><?xml version="1.0" encoding="utf-8"?>
+<file path=ppt/slides/slide36.xml><?xml version="1.0" encoding="utf-8"?>
 <p:sld xmlns:a="http://schemas.openxmlformats.org/drawingml/2006/main" xmlns:r="http://schemas.openxmlformats.org/officeDocument/2006/relationships" xmlns:p="http://schemas.openxmlformats.org/presentationml/2006/main">
   <p:cSld>
     <p:spTree>
@@ -12844,7 +13106,7 @@
             </a:r>
             <a:r>
               <a:rPr lang="de-DE" dirty="0"/>
-              <a:t>Wahl der geeigneten Form erfolgt gemeinsam im Projektverlauf</a:t>
+              <a:t>Wahl der geeigneten Übergabeform (Schnittstelle, Dokumentation) erfolgt gemeinsam im Projektverlauf</a:t>
             </a:r>
           </a:p>
         </p:txBody>
@@ -12862,7 +13124,7 @@
 </p:sld>
 </file>
 
-<file path=ppt/slides/slide34.xml><?xml version="1.0" encoding="utf-8"?>
+<file path=ppt/slides/slide37.xml><?xml version="1.0" encoding="utf-8"?>
 <p:sld xmlns:a="http://schemas.openxmlformats.org/drawingml/2006/main" xmlns:r="http://schemas.openxmlformats.org/officeDocument/2006/relationships" xmlns:p="http://schemas.openxmlformats.org/presentationml/2006/main">
   <p:cSld>
     <p:spTree>
@@ -13210,10 +13472,7 @@
             <a:pPr marL="0" lvl="1" indent="0">
               <a:buNone/>
             </a:pPr>
-            <a:r>
-              <a:rPr lang="de-DE" sz="1400" dirty="0"/>
-              <a:t>.</a:t>
-            </a:r>
+            <a:endParaRPr lang="de-DE" sz="1400" dirty="0"/>
           </a:p>
           <a:p>
             <a:pPr>
@@ -13225,13 +13484,9 @@
               <a:rPr lang="de-DE" sz="2000" b="1" dirty="0"/>
               <a:t>Vorhersagen treffen</a:t>
             </a:r>
-          </a:p>
-          <a:p>
-            <a:pPr>
-              <a:spcBef>
-                <a:spcPts val="2500"/>
-              </a:spcBef>
-            </a:pPr>
+            <a:br>
+              <a:rPr lang="de-DE" sz="2000" b="1" dirty="0"/>
+            </a:br>
             <a:endParaRPr lang="de-DE" sz="2000" b="1" dirty="0"/>
           </a:p>
           <a:p>
@@ -13492,6 +13747,10 @@
               <a:rPr lang="de-DE" sz="2000" b="1" dirty="0"/>
               <a:t>Bedeutung der Datenvisualisierung</a:t>
             </a:r>
+            <a:br>
+              <a:rPr lang="de-DE" sz="2000" b="1" dirty="0"/>
+            </a:br>
+            <a:endParaRPr lang="de-DE" sz="1400" b="1" dirty="0"/>
           </a:p>
           <a:p>
             <a:pPr>
@@ -13499,32 +13758,13 @@
                 <a:spcPts val="2500"/>
               </a:spcBef>
             </a:pPr>
-            <a:endParaRPr lang="de-DE" sz="1400" b="1" dirty="0"/>
-          </a:p>
-          <a:p>
-            <a:pPr>
-              <a:spcBef>
-                <a:spcPts val="2500"/>
-              </a:spcBef>
-            </a:pPr>
             <a:r>
               <a:rPr lang="de-DE" sz="2000" b="1" dirty="0"/>
               <a:t>Moderne Werkzeuge</a:t>
             </a:r>
-          </a:p>
-          <a:p>
-            <a:pPr marL="0" lvl="1" indent="0">
-              <a:buNone/>
-            </a:pPr>
-            <a:r>
-              <a:rPr lang="de-DE" sz="1400" dirty="0"/>
-              <a:t>.</a:t>
-            </a:r>
-          </a:p>
-          <a:p>
-            <a:pPr marL="0" lvl="1" indent="0">
-              <a:buNone/>
-            </a:pPr>
+            <a:br>
+              <a:rPr lang="de-DE" sz="2000" b="1" dirty="0"/>
+            </a:br>
             <a:endParaRPr lang="de-DE" sz="1400" dirty="0"/>
           </a:p>
           <a:p>
@@ -13824,6 +14064,10 @@
               <a:rPr lang="de-DE" sz="2000" b="1" dirty="0"/>
               <a:t>Langfristige Zusammenarbeit</a:t>
             </a:r>
+            <a:br>
+              <a:rPr lang="de-DE" sz="2000" b="1" dirty="0"/>
+            </a:br>
+            <a:endParaRPr lang="de-DE" sz="2000" b="1" dirty="0"/>
           </a:p>
           <a:p>
             <a:pPr>
@@ -13831,25 +14075,13 @@
                 <a:spcPts val="2500"/>
               </a:spcBef>
             </a:pPr>
-            <a:endParaRPr lang="de-DE" sz="2000" b="1" dirty="0"/>
-          </a:p>
-          <a:p>
-            <a:pPr>
-              <a:spcBef>
-                <a:spcPts val="2500"/>
-              </a:spcBef>
-            </a:pPr>
             <a:r>
               <a:rPr lang="de-DE" sz="2000" b="1" dirty="0"/>
               <a:t>Kontinuierlicher Support</a:t>
             </a:r>
-          </a:p>
-          <a:p>
-            <a:pPr>
-              <a:spcBef>
-                <a:spcPts val="2500"/>
-              </a:spcBef>
-            </a:pPr>
+            <a:br>
+              <a:rPr lang="de-DE" sz="2000" b="1" dirty="0"/>
+            </a:br>
             <a:endParaRPr lang="de-DE" sz="2000" b="1" dirty="0"/>
           </a:p>
           <a:p>
